--- a/W5Project/PPT/GROUP 1-Week 5.pptx
+++ b/W5Project/PPT/GROUP 1-Week 5.pptx
@@ -10,8 +10,8 @@
     <p:sldId id="259" r:id="rId4"/>
     <p:sldId id="258" r:id="rId5"/>
     <p:sldId id="261" r:id="rId6"/>
-    <p:sldId id="260" r:id="rId7"/>
-    <p:sldId id="262" r:id="rId8"/>
+    <p:sldId id="262" r:id="rId7"/>
+    <p:sldId id="260" r:id="rId8"/>
   </p:sldIdLst>
   <p:sldSz cx="12192000" cy="6858000"/>
   <p:notesSz cx="6858000" cy="9144000"/>
@@ -110,6 +110,11 @@
       </a:defRPr>
     </a:lvl9pPr>
   </p:defaultTextStyle>
+  <p:extLst>
+    <p:ext uri="{EFAFB233-063F-42B5-8137-9DF3F51BA10A}">
+      <p15:sldGuideLst xmlns:p15="http://schemas.microsoft.com/office/powerpoint/2012/main"/>
+    </p:ext>
+  </p:extLst>
 </p:presentation>
 </file>
 
@@ -836,7 +841,7 @@
             <a:fld id="{B61BEF0D-F0BB-DE4B-95CE-6DB70DBA9567}" type="datetimeFigureOut">
               <a:rPr lang="en-US" dirty="0"/>
               <a:pPr/>
-              <a:t>7/17/2016</a:t>
+              <a:t>7/18/2016</a:t>
             </a:fld>
             <a:endParaRPr lang="en-US" dirty="0"/>
           </a:p>
@@ -1084,7 +1089,7 @@
             <a:fld id="{B61BEF0D-F0BB-DE4B-95CE-6DB70DBA9567}" type="datetimeFigureOut">
               <a:rPr lang="en-US" dirty="0"/>
               <a:pPr/>
-              <a:t>7/17/2016</a:t>
+              <a:t>7/18/2016</a:t>
             </a:fld>
             <a:endParaRPr lang="en-US" dirty="0"/>
           </a:p>
@@ -1395,7 +1400,7 @@
             <a:fld id="{B61BEF0D-F0BB-DE4B-95CE-6DB70DBA9567}" type="datetimeFigureOut">
               <a:rPr lang="en-US" dirty="0"/>
               <a:pPr/>
-              <a:t>7/17/2016</a:t>
+              <a:t>7/18/2016</a:t>
             </a:fld>
             <a:endParaRPr lang="en-US" dirty="0"/>
           </a:p>
@@ -1733,7 +1738,7 @@
             <a:fld id="{B61BEF0D-F0BB-DE4B-95CE-6DB70DBA9567}" type="datetimeFigureOut">
               <a:rPr lang="en-US" dirty="0"/>
               <a:pPr/>
-              <a:t>7/17/2016</a:t>
+              <a:t>7/18/2016</a:t>
             </a:fld>
             <a:endParaRPr lang="en-US" dirty="0"/>
           </a:p>
@@ -2044,7 +2049,7 @@
             <a:fld id="{B61BEF0D-F0BB-DE4B-95CE-6DB70DBA9567}" type="datetimeFigureOut">
               <a:rPr lang="en-US" dirty="0"/>
               <a:pPr/>
-              <a:t>7/17/2016</a:t>
+              <a:t>7/18/2016</a:t>
             </a:fld>
             <a:endParaRPr lang="en-US" dirty="0"/>
           </a:p>
@@ -2434,7 +2439,7 @@
             <a:fld id="{B61BEF0D-F0BB-DE4B-95CE-6DB70DBA9567}" type="datetimeFigureOut">
               <a:rPr lang="en-US" dirty="0"/>
               <a:pPr/>
-              <a:t>7/17/2016</a:t>
+              <a:t>7/18/2016</a:t>
             </a:fld>
             <a:endParaRPr lang="en-US" dirty="0"/>
           </a:p>
@@ -2600,7 +2605,7 @@
           <a:p>
             <a:fld id="{55C6B4A9-1611-4792-9094-5F34BCA07E0B}" type="datetimeFigureOut">
               <a:rPr lang="en-US" dirty="0"/>
-              <a:t>7/17/2016</a:t>
+              <a:t>7/18/2016</a:t>
             </a:fld>
             <a:endParaRPr lang="en-US" dirty="0"/>
           </a:p>
@@ -2776,7 +2781,7 @@
             <a:fld id="{B61BEF0D-F0BB-DE4B-95CE-6DB70DBA9567}" type="datetimeFigureOut">
               <a:rPr lang="en-US" dirty="0"/>
               <a:pPr/>
-              <a:t>7/17/2016</a:t>
+              <a:t>7/18/2016</a:t>
             </a:fld>
             <a:endParaRPr lang="en-US" dirty="0"/>
           </a:p>
@@ -2949,7 +2954,7 @@
             <a:fld id="{B61BEF0D-F0BB-DE4B-95CE-6DB70DBA9567}" type="datetimeFigureOut">
               <a:rPr lang="en-US" dirty="0"/>
               <a:pPr/>
-              <a:t>7/17/2016</a:t>
+              <a:t>7/18/2016</a:t>
             </a:fld>
             <a:endParaRPr lang="en-US" dirty="0"/>
           </a:p>
@@ -3193,7 +3198,7 @@
             <a:fld id="{B61BEF0D-F0BB-DE4B-95CE-6DB70DBA9567}" type="datetimeFigureOut">
               <a:rPr lang="en-US" dirty="0"/>
               <a:pPr/>
-              <a:t>7/17/2016</a:t>
+              <a:t>7/18/2016</a:t>
             </a:fld>
             <a:endParaRPr lang="en-US" dirty="0"/>
           </a:p>
@@ -3421,7 +3426,7 @@
           <a:p>
             <a:fld id="{EB712588-04B1-427B-82EE-E8DB90309F08}" type="datetimeFigureOut">
               <a:rPr lang="en-US" dirty="0"/>
-              <a:t>7/17/2016</a:t>
+              <a:t>7/18/2016</a:t>
             </a:fld>
             <a:endParaRPr lang="en-US" dirty="0"/>
           </a:p>
@@ -3791,7 +3796,7 @@
             <a:fld id="{B61BEF0D-F0BB-DE4B-95CE-6DB70DBA9567}" type="datetimeFigureOut">
               <a:rPr lang="en-US" dirty="0"/>
               <a:pPr/>
-              <a:t>7/17/2016</a:t>
+              <a:t>7/18/2016</a:t>
             </a:fld>
             <a:endParaRPr lang="en-US" dirty="0"/>
           </a:p>
@@ -3911,7 +3916,7 @@
             <a:fld id="{B61BEF0D-F0BB-DE4B-95CE-6DB70DBA9567}" type="datetimeFigureOut">
               <a:rPr lang="en-US" dirty="0"/>
               <a:pPr/>
-              <a:t>7/17/2016</a:t>
+              <a:t>7/18/2016</a:t>
             </a:fld>
             <a:endParaRPr lang="en-US" dirty="0"/>
           </a:p>
@@ -4003,7 +4008,7 @@
             <a:fld id="{B61BEF0D-F0BB-DE4B-95CE-6DB70DBA9567}" type="datetimeFigureOut">
               <a:rPr lang="en-US" dirty="0"/>
               <a:pPr/>
-              <a:t>7/17/2016</a:t>
+              <a:t>7/18/2016</a:t>
             </a:fld>
             <a:endParaRPr lang="en-US" dirty="0"/>
           </a:p>
@@ -4254,7 +4259,7 @@
           <a:p>
             <a:fld id="{42A54C80-263E-416B-A8E0-580EDEADCBDC}" type="datetimeFigureOut">
               <a:rPr lang="en-US" dirty="0"/>
-              <a:t>7/17/2016</a:t>
+              <a:t>7/18/2016</a:t>
             </a:fld>
             <a:endParaRPr lang="en-US" dirty="0"/>
           </a:p>
@@ -4513,7 +4518,7 @@
             <a:fld id="{B61BEF0D-F0BB-DE4B-95CE-6DB70DBA9567}" type="datetimeFigureOut">
               <a:rPr lang="en-US" dirty="0"/>
               <a:pPr/>
-              <a:t>7/17/2016</a:t>
+              <a:t>7/18/2016</a:t>
             </a:fld>
             <a:endParaRPr lang="en-US" dirty="0"/>
           </a:p>
@@ -5253,7 +5258,7 @@
             <a:fld id="{B61BEF0D-F0BB-DE4B-95CE-6DB70DBA9567}" type="datetimeFigureOut">
               <a:rPr lang="en-US" dirty="0"/>
               <a:pPr/>
-              <a:t>7/17/2016</a:t>
+              <a:t>7/18/2016</a:t>
             </a:fld>
             <a:endParaRPr lang="en-US" dirty="0"/>
           </a:p>
@@ -5963,15 +5968,7 @@
             <a:pPr lvl="1"/>
             <a:r>
               <a:rPr lang="en-US" dirty="0"/>
-              <a:t>Filter (certain names) and Listeners (Active </a:t>
-            </a:r>
-            <a:r>
-              <a:rPr lang="en-US"/>
-              <a:t>Users and Session</a:t>
-            </a:r>
-            <a:r>
-              <a:rPr lang="en-US" dirty="0"/>
-              <a:t>)</a:t>
+              <a:t>Filter (certain names) and Listeners (Active Users and Session)</a:t>
             </a:r>
           </a:p>
           <a:p>
@@ -6238,7 +6235,7 @@
             </a:r>
             <a:r>
               <a:rPr lang="en-US" dirty="0"/>
-              <a:t> – Initial body of Spring Project with transaction in DB.</a:t>
+              <a:t> – Initial body of Spring Project with initial transaction in DB.</a:t>
             </a:r>
           </a:p>
           <a:p>
@@ -6282,7 +6279,7 @@
             <a:pPr lvl="1"/>
             <a:r>
               <a:rPr lang="en-US" dirty="0"/>
-              <a:t>Mark Anthony Andes</a:t>
+              <a:t>Mark Anthony Andes – Tester (Functional and Black tester)</a:t>
             </a:r>
           </a:p>
           <a:p>
@@ -6378,7 +6375,7 @@
         </p:spPr>
         <p:txBody>
           <a:bodyPr>
-            <a:normAutofit/>
+            <a:normAutofit fontScale="92500" lnSpcReduction="20000"/>
           </a:bodyPr>
           <a:lstStyle/>
           <a:p>
@@ -6390,36 +6387,50 @@
           <a:p>
             <a:pPr lvl="1"/>
             <a:r>
-              <a:rPr lang="en-US" b="1" dirty="0"/>
+              <a:rPr lang="en-US" dirty="0"/>
               <a:t>CRUD tray of the user’s orders</a:t>
             </a:r>
           </a:p>
           <a:p>
             <a:pPr lvl="1"/>
             <a:r>
-              <a:rPr lang="en-US" b="1" dirty="0"/>
+              <a:rPr lang="en-US" dirty="0"/>
               <a:t>Browse products</a:t>
             </a:r>
           </a:p>
           <a:p>
             <a:pPr lvl="1"/>
             <a:r>
-              <a:rPr lang="en-US" b="1" dirty="0"/>
+              <a:rPr lang="en-US" dirty="0"/>
               <a:t>Basic validations (login and registration)</a:t>
             </a:r>
           </a:p>
           <a:p>
             <a:pPr lvl="1"/>
             <a:r>
-              <a:rPr lang="en-US" b="1" dirty="0"/>
+              <a:rPr lang="en-US" dirty="0"/>
               <a:t>Can block blocked users</a:t>
             </a:r>
           </a:p>
           <a:p>
             <a:pPr lvl="1"/>
             <a:r>
-              <a:rPr lang="en-US" b="1" dirty="0"/>
+              <a:rPr lang="en-US" dirty="0"/>
               <a:t>Can display active users</a:t>
+            </a:r>
+          </a:p>
+          <a:p>
+            <a:pPr lvl="1"/>
+            <a:r>
+              <a:rPr lang="en-US" dirty="0"/>
+              <a:t>It can search products</a:t>
+            </a:r>
+          </a:p>
+          <a:p>
+            <a:pPr lvl="1"/>
+            <a:r>
+              <a:rPr lang="en-US" dirty="0"/>
+              <a:t>Has incorporated log4j</a:t>
             </a:r>
           </a:p>
           <a:p>
@@ -6437,29 +6448,36 @@
           <a:p>
             <a:pPr lvl="1"/>
             <a:r>
-              <a:rPr lang="en-US" b="1" dirty="0"/>
+              <a:rPr lang="en-US" dirty="0"/>
               <a:t>The items in the cart will be removed after the user logged out of the system.</a:t>
             </a:r>
           </a:p>
           <a:p>
             <a:pPr lvl="1"/>
             <a:r>
-              <a:rPr lang="en-US" b="1" dirty="0"/>
+              <a:rPr lang="en-US" dirty="0"/>
               <a:t>No paging</a:t>
             </a:r>
           </a:p>
           <a:p>
             <a:pPr lvl="1"/>
             <a:r>
-              <a:rPr lang="en-US" b="1" dirty="0"/>
+              <a:rPr lang="en-US" dirty="0"/>
               <a:t>No Spring Validator</a:t>
             </a:r>
           </a:p>
           <a:p>
             <a:pPr lvl="1"/>
             <a:r>
-              <a:rPr lang="en-US" b="1" dirty="0"/>
+              <a:rPr lang="en-US" dirty="0"/>
               <a:t>Other approach for filter</a:t>
+            </a:r>
+          </a:p>
+          <a:p>
+            <a:pPr lvl="1"/>
+            <a:r>
+              <a:rPr lang="en-US" dirty="0"/>
+              <a:t>No JUNIT </a:t>
             </a:r>
           </a:p>
           <a:p>
@@ -6512,45 +6530,654 @@
             <p:ph type="title"/>
           </p:nvPr>
         </p:nvSpPr>
-        <p:spPr/>
-        <p:txBody>
-          <a:bodyPr/>
-          <a:lstStyle/>
-          <a:p>
-            <a:r>
-              <a:rPr lang="en-US" dirty="0"/>
-              <a:t>SQL</a:t>
-            </a:r>
-          </a:p>
-        </p:txBody>
-      </p:sp>
-      <p:pic>
-        <p:nvPicPr>
-          <p:cNvPr id="4" name="Content Placeholder 3"/>
-          <p:cNvPicPr>
-            <a:picLocks noGrp="1" noChangeAspect="1"/>
-          </p:cNvPicPr>
-          <p:nvPr>
-            <p:ph idx="1"/>
-          </p:nvPr>
-        </p:nvPicPr>
-        <p:blipFill>
-          <a:blip r:embed="rId2"/>
-          <a:stretch>
-            <a:fillRect/>
-          </a:stretch>
-        </p:blipFill>
         <p:spPr>
           <a:xfrm>
-            <a:off x="1245704" y="1124413"/>
-            <a:ext cx="10124661" cy="5548056"/>
+            <a:off x="193240" y="609600"/>
+            <a:ext cx="5521760" cy="762000"/>
           </a:xfrm>
         </p:spPr>
-      </p:pic>
+        <p:txBody>
+          <a:bodyPr>
+            <a:normAutofit fontScale="90000"/>
+          </a:bodyPr>
+          <a:lstStyle/>
+          <a:p>
+            <a:pPr algn="ctr"/>
+            <a:r>
+              <a:rPr lang="en-US" dirty="0"/>
+              <a:t>PLAN</a:t>
+            </a:r>
+            <a:br>
+              <a:rPr lang="en-US" dirty="0"/>
+            </a:br>
+            <a:endParaRPr lang="en-US" dirty="0"/>
+          </a:p>
+        </p:txBody>
+      </p:sp>
+      <p:sp>
+        <p:nvSpPr>
+          <p:cNvPr id="3" name="Content Placeholder 2"/>
+          <p:cNvSpPr>
+            <a:spLocks noGrp="1"/>
+          </p:cNvSpPr>
+          <p:nvPr>
+            <p:ph idx="1"/>
+          </p:nvPr>
+        </p:nvSpPr>
+        <p:spPr>
+          <a:xfrm>
+            <a:off x="193240" y="1519518"/>
+            <a:ext cx="5521760" cy="4669762"/>
+          </a:xfrm>
+        </p:spPr>
+        <p:txBody>
+          <a:bodyPr/>
+          <a:lstStyle/>
+          <a:p>
+            <a:r>
+              <a:rPr lang="en-US" dirty="0"/>
+              <a:t>Friday </a:t>
+            </a:r>
+          </a:p>
+          <a:p>
+            <a:pPr lvl="1"/>
+            <a:r>
+              <a:rPr lang="en-US" dirty="0"/>
+              <a:t>Exploration</a:t>
+            </a:r>
+          </a:p>
+          <a:p>
+            <a:pPr lvl="1"/>
+            <a:r>
+              <a:rPr lang="en-US" dirty="0"/>
+              <a:t>Initialize Project with JDBC Template and JTA</a:t>
+            </a:r>
+          </a:p>
+          <a:p>
+            <a:pPr lvl="1"/>
+            <a:r>
+              <a:rPr lang="en-US" dirty="0"/>
+              <a:t>Mock-up UI in Ext JS</a:t>
+            </a:r>
+          </a:p>
+          <a:p>
+            <a:r>
+              <a:rPr lang="en-US" dirty="0"/>
+              <a:t>Saturday </a:t>
+            </a:r>
+          </a:p>
+          <a:p>
+            <a:pPr lvl="1"/>
+            <a:r>
+              <a:rPr lang="en-US" dirty="0"/>
+              <a:t>Integration of UI </a:t>
+            </a:r>
+          </a:p>
+          <a:p>
+            <a:pPr lvl="1"/>
+            <a:r>
+              <a:rPr lang="en-US" dirty="0"/>
+              <a:t>Finish All controller service (MVP)</a:t>
+            </a:r>
+          </a:p>
+          <a:p>
+            <a:pPr lvl="1"/>
+            <a:r>
+              <a:rPr lang="en-US" dirty="0"/>
+              <a:t>Finish all UI page (Transitions and Behavior)(MVP)</a:t>
+            </a:r>
+          </a:p>
+          <a:p>
+            <a:r>
+              <a:rPr lang="en-US" dirty="0"/>
+              <a:t>By Saturday the project (MVP) status is finished </a:t>
+            </a:r>
+          </a:p>
+          <a:p>
+            <a:r>
+              <a:rPr lang="en-US" dirty="0"/>
+              <a:t>Sunday</a:t>
+            </a:r>
+          </a:p>
+          <a:p>
+            <a:pPr lvl="1"/>
+            <a:r>
+              <a:rPr lang="en-US" dirty="0"/>
+              <a:t>Apply nice to have features (admin, </a:t>
+            </a:r>
+            <a:r>
+              <a:rPr lang="en-US" dirty="0" err="1"/>
+              <a:t>etc</a:t>
+            </a:r>
+            <a:r>
+              <a:rPr lang="en-US" dirty="0"/>
+              <a:t> )</a:t>
+            </a:r>
+          </a:p>
+          <a:p>
+            <a:pPr lvl="1"/>
+            <a:r>
+              <a:rPr lang="en-US" dirty="0">
+                <a:solidFill>
+                  <a:srgbClr val="00B050"/>
+                </a:solidFill>
+              </a:rPr>
+              <a:t>REST </a:t>
+            </a:r>
+            <a:r>
+              <a:rPr lang="en-US" dirty="0">
+                <a:solidFill>
+                  <a:srgbClr val="00B050"/>
+                </a:solidFill>
+                <a:sym typeface="Wingdings" panose="05000000000000000000" pitchFamily="2" charset="2"/>
+              </a:rPr>
+              <a:t></a:t>
+            </a:r>
+            <a:endParaRPr lang="en-US" dirty="0">
+              <a:solidFill>
+                <a:srgbClr val="00B050"/>
+              </a:solidFill>
+            </a:endParaRPr>
+          </a:p>
+          <a:p>
+            <a:endParaRPr lang="en-US" dirty="0"/>
+          </a:p>
+          <a:p>
+            <a:endParaRPr lang="en-US" dirty="0"/>
+          </a:p>
+          <a:p>
+            <a:pPr marL="0" indent="0">
+              <a:buNone/>
+            </a:pPr>
+            <a:endParaRPr lang="en-US" dirty="0"/>
+          </a:p>
+        </p:txBody>
+      </p:sp>
+      <p:sp>
+        <p:nvSpPr>
+          <p:cNvPr id="4" name="Title 1"/>
+          <p:cNvSpPr txBox="1">
+            <a:spLocks/>
+          </p:cNvSpPr>
+          <p:nvPr/>
+        </p:nvSpPr>
+        <p:spPr>
+          <a:xfrm>
+            <a:off x="5715000" y="757517"/>
+            <a:ext cx="5521760" cy="762000"/>
+          </a:xfrm>
+          <a:prstGeom prst="rect">
+            <a:avLst/>
+          </a:prstGeom>
+        </p:spPr>
+        <p:txBody>
+          <a:bodyPr vert="horz" lIns="91440" tIns="45720" rIns="91440" bIns="45720" rtlCol="0" anchor="t">
+            <a:normAutofit fontScale="75000" lnSpcReduction="20000"/>
+          </a:bodyPr>
+          <a:lstStyle>
+            <a:lvl1pPr algn="l" defTabSz="457200" rtl="0" eaLnBrk="1" latinLnBrk="0" hangingPunct="1">
+              <a:spcBef>
+                <a:spcPct val="0"/>
+              </a:spcBef>
+              <a:buNone/>
+              <a:defRPr sz="3600" kern="1200">
+                <a:solidFill>
+                  <a:schemeClr val="accent1"/>
+                </a:solidFill>
+                <a:latin typeface="+mj-lt"/>
+                <a:ea typeface="+mj-ea"/>
+                <a:cs typeface="+mj-cs"/>
+              </a:defRPr>
+            </a:lvl1pPr>
+            <a:lvl2pPr eaLnBrk="1" hangingPunct="1">
+              <a:defRPr>
+                <a:solidFill>
+                  <a:schemeClr val="tx2"/>
+                </a:solidFill>
+              </a:defRPr>
+            </a:lvl2pPr>
+            <a:lvl3pPr eaLnBrk="1" hangingPunct="1">
+              <a:defRPr>
+                <a:solidFill>
+                  <a:schemeClr val="tx2"/>
+                </a:solidFill>
+              </a:defRPr>
+            </a:lvl3pPr>
+            <a:lvl4pPr eaLnBrk="1" hangingPunct="1">
+              <a:defRPr>
+                <a:solidFill>
+                  <a:schemeClr val="tx2"/>
+                </a:solidFill>
+              </a:defRPr>
+            </a:lvl4pPr>
+            <a:lvl5pPr eaLnBrk="1" hangingPunct="1">
+              <a:defRPr>
+                <a:solidFill>
+                  <a:schemeClr val="tx2"/>
+                </a:solidFill>
+              </a:defRPr>
+            </a:lvl5pPr>
+            <a:lvl6pPr eaLnBrk="1" hangingPunct="1">
+              <a:defRPr>
+                <a:solidFill>
+                  <a:schemeClr val="tx2"/>
+                </a:solidFill>
+              </a:defRPr>
+            </a:lvl6pPr>
+            <a:lvl7pPr eaLnBrk="1" hangingPunct="1">
+              <a:defRPr>
+                <a:solidFill>
+                  <a:schemeClr val="tx2"/>
+                </a:solidFill>
+              </a:defRPr>
+            </a:lvl7pPr>
+            <a:lvl8pPr eaLnBrk="1" hangingPunct="1">
+              <a:defRPr>
+                <a:solidFill>
+                  <a:schemeClr val="tx2"/>
+                </a:solidFill>
+              </a:defRPr>
+            </a:lvl8pPr>
+            <a:lvl9pPr eaLnBrk="1" hangingPunct="1">
+              <a:defRPr>
+                <a:solidFill>
+                  <a:schemeClr val="tx2"/>
+                </a:solidFill>
+              </a:defRPr>
+            </a:lvl9pPr>
+          </a:lstStyle>
+          <a:p>
+            <a:pPr algn="ctr"/>
+            <a:r>
+              <a:rPr lang="en-US" dirty="0"/>
+              <a:t>ACTUAL</a:t>
+            </a:r>
+            <a:br>
+              <a:rPr lang="en-US" dirty="0"/>
+            </a:br>
+            <a:endParaRPr lang="en-US" dirty="0"/>
+          </a:p>
+        </p:txBody>
+      </p:sp>
+      <p:sp>
+        <p:nvSpPr>
+          <p:cNvPr id="5" name="Content Placeholder 2"/>
+          <p:cNvSpPr txBox="1">
+            <a:spLocks/>
+          </p:cNvSpPr>
+          <p:nvPr/>
+        </p:nvSpPr>
+        <p:spPr>
+          <a:xfrm>
+            <a:off x="5715000" y="1445559"/>
+            <a:ext cx="5521760" cy="4669762"/>
+          </a:xfrm>
+          <a:prstGeom prst="rect">
+            <a:avLst/>
+          </a:prstGeom>
+        </p:spPr>
+        <p:txBody>
+          <a:bodyPr vert="horz" lIns="91440" tIns="45720" rIns="91440" bIns="45720" rtlCol="0">
+            <a:normAutofit/>
+          </a:bodyPr>
+          <a:lstStyle>
+            <a:lvl1pPr marL="342900" indent="-342900" algn="l" defTabSz="457200" rtl="0" eaLnBrk="1" latinLnBrk="0" hangingPunct="1">
+              <a:spcBef>
+                <a:spcPts val="1000"/>
+              </a:spcBef>
+              <a:spcAft>
+                <a:spcPts val="0"/>
+              </a:spcAft>
+              <a:buClr>
+                <a:schemeClr val="accent1"/>
+              </a:buClr>
+              <a:buSzPct val="80000"/>
+              <a:buFont typeface="Wingdings 3" charset="2"/>
+              <a:buChar char=""/>
+              <a:defRPr sz="1800" kern="1200">
+                <a:solidFill>
+                  <a:schemeClr val="tx1">
+                    <a:lumMod val="75000"/>
+                    <a:lumOff val="25000"/>
+                  </a:schemeClr>
+                </a:solidFill>
+                <a:latin typeface="+mn-lt"/>
+                <a:ea typeface="+mn-ea"/>
+                <a:cs typeface="+mn-cs"/>
+              </a:defRPr>
+            </a:lvl1pPr>
+            <a:lvl2pPr marL="742950" indent="-285750" algn="l" defTabSz="457200" rtl="0" eaLnBrk="1" latinLnBrk="0" hangingPunct="1">
+              <a:spcBef>
+                <a:spcPts val="1000"/>
+              </a:spcBef>
+              <a:spcAft>
+                <a:spcPts val="0"/>
+              </a:spcAft>
+              <a:buClr>
+                <a:schemeClr val="accent1"/>
+              </a:buClr>
+              <a:buSzPct val="80000"/>
+              <a:buFont typeface="Wingdings 3" charset="2"/>
+              <a:buChar char=""/>
+              <a:defRPr sz="1600" kern="1200">
+                <a:solidFill>
+                  <a:schemeClr val="tx1">
+                    <a:lumMod val="75000"/>
+                    <a:lumOff val="25000"/>
+                  </a:schemeClr>
+                </a:solidFill>
+                <a:latin typeface="+mn-lt"/>
+                <a:ea typeface="+mn-ea"/>
+                <a:cs typeface="+mn-cs"/>
+              </a:defRPr>
+            </a:lvl2pPr>
+            <a:lvl3pPr marL="1143000" indent="-228600" algn="l" defTabSz="457200" rtl="0" eaLnBrk="1" latinLnBrk="0" hangingPunct="1">
+              <a:spcBef>
+                <a:spcPts val="1000"/>
+              </a:spcBef>
+              <a:spcAft>
+                <a:spcPts val="0"/>
+              </a:spcAft>
+              <a:buClr>
+                <a:schemeClr val="accent1"/>
+              </a:buClr>
+              <a:buSzPct val="80000"/>
+              <a:buFont typeface="Wingdings 3" charset="2"/>
+              <a:buChar char=""/>
+              <a:defRPr sz="1400" kern="1200">
+                <a:solidFill>
+                  <a:schemeClr val="tx1">
+                    <a:lumMod val="75000"/>
+                    <a:lumOff val="25000"/>
+                  </a:schemeClr>
+                </a:solidFill>
+                <a:latin typeface="+mn-lt"/>
+                <a:ea typeface="+mn-ea"/>
+                <a:cs typeface="+mn-cs"/>
+              </a:defRPr>
+            </a:lvl3pPr>
+            <a:lvl4pPr marL="1600200" indent="-228600" algn="l" defTabSz="457200" rtl="0" eaLnBrk="1" latinLnBrk="0" hangingPunct="1">
+              <a:spcBef>
+                <a:spcPts val="1000"/>
+              </a:spcBef>
+              <a:spcAft>
+                <a:spcPts val="0"/>
+              </a:spcAft>
+              <a:buClr>
+                <a:schemeClr val="accent1"/>
+              </a:buClr>
+              <a:buSzPct val="80000"/>
+              <a:buFont typeface="Wingdings 3" charset="2"/>
+              <a:buChar char=""/>
+              <a:defRPr sz="1200" kern="1200">
+                <a:solidFill>
+                  <a:schemeClr val="tx1">
+                    <a:lumMod val="75000"/>
+                    <a:lumOff val="25000"/>
+                  </a:schemeClr>
+                </a:solidFill>
+                <a:latin typeface="+mn-lt"/>
+                <a:ea typeface="+mn-ea"/>
+                <a:cs typeface="+mn-cs"/>
+              </a:defRPr>
+            </a:lvl4pPr>
+            <a:lvl5pPr marL="2057400" indent="-228600" algn="l" defTabSz="457200" rtl="0" eaLnBrk="1" latinLnBrk="0" hangingPunct="1">
+              <a:spcBef>
+                <a:spcPts val="1000"/>
+              </a:spcBef>
+              <a:spcAft>
+                <a:spcPts val="0"/>
+              </a:spcAft>
+              <a:buClr>
+                <a:schemeClr val="accent1"/>
+              </a:buClr>
+              <a:buSzPct val="80000"/>
+              <a:buFont typeface="Wingdings 3" charset="2"/>
+              <a:buChar char=""/>
+              <a:defRPr sz="1200" kern="1200">
+                <a:solidFill>
+                  <a:schemeClr val="tx1">
+                    <a:lumMod val="75000"/>
+                    <a:lumOff val="25000"/>
+                  </a:schemeClr>
+                </a:solidFill>
+                <a:latin typeface="+mn-lt"/>
+                <a:ea typeface="+mn-ea"/>
+                <a:cs typeface="+mn-cs"/>
+              </a:defRPr>
+            </a:lvl5pPr>
+            <a:lvl6pPr marL="2514600" indent="-228600" algn="l" defTabSz="457200" rtl="0" eaLnBrk="1" latinLnBrk="0" hangingPunct="1">
+              <a:spcBef>
+                <a:spcPts val="1000"/>
+              </a:spcBef>
+              <a:spcAft>
+                <a:spcPts val="0"/>
+              </a:spcAft>
+              <a:buClr>
+                <a:schemeClr val="accent1"/>
+              </a:buClr>
+              <a:buSzPct val="80000"/>
+              <a:buFont typeface="Wingdings 3" charset="2"/>
+              <a:buChar char=""/>
+              <a:defRPr sz="1200" kern="1200">
+                <a:solidFill>
+                  <a:schemeClr val="tx1">
+                    <a:lumMod val="75000"/>
+                    <a:lumOff val="25000"/>
+                  </a:schemeClr>
+                </a:solidFill>
+                <a:latin typeface="+mn-lt"/>
+                <a:ea typeface="+mn-ea"/>
+                <a:cs typeface="+mn-cs"/>
+              </a:defRPr>
+            </a:lvl6pPr>
+            <a:lvl7pPr marL="2971800" indent="-228600" algn="l" defTabSz="457200" rtl="0" eaLnBrk="1" latinLnBrk="0" hangingPunct="1">
+              <a:spcBef>
+                <a:spcPts val="1000"/>
+              </a:spcBef>
+              <a:spcAft>
+                <a:spcPts val="0"/>
+              </a:spcAft>
+              <a:buClr>
+                <a:schemeClr val="accent1"/>
+              </a:buClr>
+              <a:buSzPct val="80000"/>
+              <a:buFont typeface="Wingdings 3" charset="2"/>
+              <a:buChar char=""/>
+              <a:defRPr sz="1200" kern="1200">
+                <a:solidFill>
+                  <a:schemeClr val="tx1">
+                    <a:lumMod val="75000"/>
+                    <a:lumOff val="25000"/>
+                  </a:schemeClr>
+                </a:solidFill>
+                <a:latin typeface="+mn-lt"/>
+                <a:ea typeface="+mn-ea"/>
+                <a:cs typeface="+mn-cs"/>
+              </a:defRPr>
+            </a:lvl7pPr>
+            <a:lvl8pPr marL="3429000" indent="-228600" algn="l" defTabSz="457200" rtl="0" eaLnBrk="1" latinLnBrk="0" hangingPunct="1">
+              <a:spcBef>
+                <a:spcPts val="1000"/>
+              </a:spcBef>
+              <a:spcAft>
+                <a:spcPts val="0"/>
+              </a:spcAft>
+              <a:buClr>
+                <a:schemeClr val="accent1"/>
+              </a:buClr>
+              <a:buSzPct val="80000"/>
+              <a:buFont typeface="Wingdings 3" charset="2"/>
+              <a:buChar char=""/>
+              <a:defRPr sz="1200" kern="1200">
+                <a:solidFill>
+                  <a:schemeClr val="tx1">
+                    <a:lumMod val="75000"/>
+                    <a:lumOff val="25000"/>
+                  </a:schemeClr>
+                </a:solidFill>
+                <a:latin typeface="+mn-lt"/>
+                <a:ea typeface="+mn-ea"/>
+                <a:cs typeface="+mn-cs"/>
+              </a:defRPr>
+            </a:lvl8pPr>
+            <a:lvl9pPr marL="3886200" indent="-228600" algn="l" defTabSz="457200" rtl="0" eaLnBrk="1" latinLnBrk="0" hangingPunct="1">
+              <a:spcBef>
+                <a:spcPts val="1000"/>
+              </a:spcBef>
+              <a:spcAft>
+                <a:spcPts val="0"/>
+              </a:spcAft>
+              <a:buClr>
+                <a:schemeClr val="accent1"/>
+              </a:buClr>
+              <a:buSzPct val="80000"/>
+              <a:buFont typeface="Wingdings 3" charset="2"/>
+              <a:buChar char=""/>
+              <a:defRPr sz="1200" kern="1200">
+                <a:solidFill>
+                  <a:schemeClr val="tx1">
+                    <a:lumMod val="75000"/>
+                    <a:lumOff val="25000"/>
+                  </a:schemeClr>
+                </a:solidFill>
+                <a:latin typeface="+mn-lt"/>
+                <a:ea typeface="+mn-ea"/>
+                <a:cs typeface="+mn-cs"/>
+              </a:defRPr>
+            </a:lvl9pPr>
+          </a:lstStyle>
+          <a:p>
+            <a:r>
+              <a:rPr lang="en-US" dirty="0"/>
+              <a:t>Friday </a:t>
+            </a:r>
+          </a:p>
+          <a:p>
+            <a:pPr lvl="1"/>
+            <a:r>
+              <a:rPr lang="en-US" dirty="0"/>
+              <a:t>Exploration</a:t>
+            </a:r>
+          </a:p>
+          <a:p>
+            <a:pPr lvl="1"/>
+            <a:r>
+              <a:rPr lang="en-US" dirty="0"/>
+              <a:t>Initialize Project with JDBC Template and JTA</a:t>
+            </a:r>
+          </a:p>
+          <a:p>
+            <a:pPr lvl="1"/>
+            <a:r>
+              <a:rPr lang="en-US" dirty="0"/>
+              <a:t>Mock-up UI in Ext JS</a:t>
+            </a:r>
+          </a:p>
+          <a:p>
+            <a:r>
+              <a:rPr lang="en-US" dirty="0"/>
+              <a:t>Saturday </a:t>
+            </a:r>
+          </a:p>
+          <a:p>
+            <a:pPr lvl="1"/>
+            <a:r>
+              <a:rPr lang="en-US" dirty="0"/>
+              <a:t>Integration of UI </a:t>
+            </a:r>
+            <a:r>
+              <a:rPr lang="en-US" dirty="0">
+                <a:solidFill>
+                  <a:srgbClr val="FF0000"/>
+                </a:solidFill>
+              </a:rPr>
+              <a:t>(BLOCKER)</a:t>
+            </a:r>
+          </a:p>
+          <a:p>
+            <a:pPr lvl="1"/>
+            <a:r>
+              <a:rPr lang="en-US" strike="sngStrike" dirty="0">
+                <a:solidFill>
+                  <a:srgbClr val="FF0000"/>
+                </a:solidFill>
+              </a:rPr>
+              <a:t>Finish All controller service (MVP)</a:t>
+            </a:r>
+          </a:p>
+          <a:p>
+            <a:pPr lvl="1"/>
+            <a:r>
+              <a:rPr lang="en-US" strike="sngStrike" dirty="0">
+                <a:solidFill>
+                  <a:srgbClr val="FF0000"/>
+                </a:solidFill>
+              </a:rPr>
+              <a:t>Finish all UI page (Transitions and Behavior)(MVP)</a:t>
+            </a:r>
+          </a:p>
+          <a:p>
+            <a:r>
+              <a:rPr lang="en-US" dirty="0"/>
+              <a:t>Sunday</a:t>
+            </a:r>
+          </a:p>
+          <a:p>
+            <a:pPr lvl="1"/>
+            <a:r>
+              <a:rPr lang="en-US" dirty="0"/>
+              <a:t>Finish all controller service (MVP)</a:t>
+            </a:r>
+          </a:p>
+          <a:p>
+            <a:pPr lvl="1"/>
+            <a:r>
+              <a:rPr lang="en-US" dirty="0"/>
+              <a:t>Finish all UI page (Transitions and Behavior)(MVP)</a:t>
+            </a:r>
+          </a:p>
+          <a:p>
+            <a:pPr lvl="1"/>
+            <a:r>
+              <a:rPr lang="en-US" dirty="0">
+                <a:solidFill>
+                  <a:srgbClr val="00B050"/>
+                </a:solidFill>
+              </a:rPr>
+              <a:t>No rest </a:t>
+            </a:r>
+            <a:r>
+              <a:rPr lang="en-US" dirty="0">
+                <a:solidFill>
+                  <a:srgbClr val="00B050"/>
+                </a:solidFill>
+                <a:sym typeface="Wingdings" panose="05000000000000000000" pitchFamily="2" charset="2"/>
+              </a:rPr>
+              <a:t></a:t>
+            </a:r>
+            <a:endParaRPr lang="en-US" dirty="0">
+              <a:solidFill>
+                <a:srgbClr val="00B050"/>
+              </a:solidFill>
+            </a:endParaRPr>
+          </a:p>
+          <a:p>
+            <a:endParaRPr lang="en-US" dirty="0"/>
+          </a:p>
+          <a:p>
+            <a:pPr marL="0" indent="0">
+              <a:buFont typeface="Wingdings 3" charset="2"/>
+              <a:buNone/>
+            </a:pPr>
+            <a:endParaRPr lang="en-US" dirty="0"/>
+          </a:p>
+        </p:txBody>
+      </p:sp>
     </p:spTree>
     <p:extLst>
       <p:ext uri="{BB962C8B-B14F-4D97-AF65-F5344CB8AC3E}">
-        <p14:creationId xmlns:p14="http://schemas.microsoft.com/office/powerpoint/2010/main" val="946687753"/>
+        <p14:creationId xmlns:p14="http://schemas.microsoft.com/office/powerpoint/2010/main" val="2255266962"/>
       </p:ext>
     </p:extLst>
   </p:cSld>
@@ -6594,38 +7221,38 @@
           <a:p>
             <a:r>
               <a:rPr lang="en-US" dirty="0"/>
-              <a:t>Demo</a:t>
-            </a:r>
-            <a:br>
-              <a:rPr lang="en-US" dirty="0"/>
-            </a:br>
-            <a:endParaRPr lang="en-US" dirty="0"/>
-          </a:p>
-        </p:txBody>
-      </p:sp>
-      <p:sp>
-        <p:nvSpPr>
-          <p:cNvPr id="3" name="Content Placeholder 2"/>
-          <p:cNvSpPr>
-            <a:spLocks noGrp="1"/>
-          </p:cNvSpPr>
+              <a:t>SQL Planned</a:t>
+            </a:r>
+          </a:p>
+        </p:txBody>
+      </p:sp>
+      <p:pic>
+        <p:nvPicPr>
+          <p:cNvPr id="4" name="Content Placeholder 3"/>
+          <p:cNvPicPr>
+            <a:picLocks noGrp="1" noChangeAspect="1"/>
+          </p:cNvPicPr>
           <p:nvPr>
             <p:ph idx="1"/>
           </p:nvPr>
-        </p:nvSpPr>
-        <p:spPr/>
-        <p:txBody>
-          <a:bodyPr/>
-          <a:lstStyle/>
-          <a:p>
-            <a:endParaRPr lang="en-US"/>
-          </a:p>
-        </p:txBody>
-      </p:sp>
+        </p:nvPicPr>
+        <p:blipFill>
+          <a:blip r:embed="rId2"/>
+          <a:stretch>
+            <a:fillRect/>
+          </a:stretch>
+        </p:blipFill>
+        <p:spPr>
+          <a:xfrm>
+            <a:off x="1245704" y="1124413"/>
+            <a:ext cx="10124661" cy="5548056"/>
+          </a:xfrm>
+        </p:spPr>
+      </p:pic>
     </p:spTree>
     <p:extLst>
       <p:ext uri="{BB962C8B-B14F-4D97-AF65-F5344CB8AC3E}">
-        <p14:creationId xmlns:p14="http://schemas.microsoft.com/office/powerpoint/2010/main" val="2255266962"/>
+        <p14:creationId xmlns:p14="http://schemas.microsoft.com/office/powerpoint/2010/main" val="946687753"/>
       </p:ext>
     </p:extLst>
   </p:cSld>

--- a/W5Project/PPT/GROUP 1-Week 5.pptx
+++ b/W5Project/PPT/GROUP 1-Week 5.pptx
@@ -6,12 +6,13 @@
   </p:sldMasterIdLst>
   <p:sldIdLst>
     <p:sldId id="256" r:id="rId2"/>
-    <p:sldId id="257" r:id="rId3"/>
-    <p:sldId id="259" r:id="rId4"/>
-    <p:sldId id="258" r:id="rId5"/>
-    <p:sldId id="261" r:id="rId6"/>
-    <p:sldId id="262" r:id="rId7"/>
-    <p:sldId id="260" r:id="rId8"/>
+    <p:sldId id="263" r:id="rId3"/>
+    <p:sldId id="257" r:id="rId4"/>
+    <p:sldId id="259" r:id="rId5"/>
+    <p:sldId id="258" r:id="rId6"/>
+    <p:sldId id="261" r:id="rId7"/>
+    <p:sldId id="262" r:id="rId8"/>
+    <p:sldId id="260" r:id="rId9"/>
   </p:sldIdLst>
   <p:sldSz cx="12192000" cy="6858000"/>
   <p:notesSz cx="6858000" cy="9144000"/>
@@ -112,7 +113,7 @@
   </p:defaultTextStyle>
   <p:extLst>
     <p:ext uri="{EFAFB233-063F-42B5-8137-9DF3F51BA10A}">
-      <p15:sldGuideLst xmlns:p15="http://schemas.microsoft.com/office/powerpoint/2012/main"/>
+      <p15:sldGuideLst xmlns:p15="http://schemas.microsoft.com/office/powerpoint/2012/main" xmlns=""/>
     </p:ext>
   </p:extLst>
 </p:presentation>
@@ -2605,6 +2606,7 @@
           <a:p>
             <a:fld id="{55C6B4A9-1611-4792-9094-5F34BCA07E0B}" type="datetimeFigureOut">
               <a:rPr lang="en-US" dirty="0"/>
+              <a:pPr/>
               <a:t>7/18/2016</a:t>
             </a:fld>
             <a:endParaRPr lang="en-US" dirty="0"/>
@@ -2647,6 +2649,7 @@
           <a:p>
             <a:fld id="{89333C77-0158-454C-844F-B7AB9BD7DAD4}" type="slidenum">
               <a:rPr lang="en-US" dirty="0"/>
+              <a:pPr/>
               <a:t>‹#›</a:t>
             </a:fld>
             <a:endParaRPr lang="en-US" dirty="0"/>
@@ -3426,6 +3429,7 @@
           <a:p>
             <a:fld id="{EB712588-04B1-427B-82EE-E8DB90309F08}" type="datetimeFigureOut">
               <a:rPr lang="en-US" dirty="0"/>
+              <a:pPr/>
               <a:t>7/18/2016</a:t>
             </a:fld>
             <a:endParaRPr lang="en-US" dirty="0"/>
@@ -3468,6 +3472,7 @@
           <a:p>
             <a:fld id="{6FF9F0C5-380F-41C2-899A-BAC0F0927E16}" type="slidenum">
               <a:rPr lang="en-US" dirty="0"/>
+              <a:pPr/>
               <a:t>‹#›</a:t>
             </a:fld>
             <a:endParaRPr lang="en-US" dirty="0"/>
@@ -4259,6 +4264,7 @@
           <a:p>
             <a:fld id="{42A54C80-263E-416B-A8E0-580EDEADCBDC}" type="datetimeFigureOut">
               <a:rPr lang="en-US" dirty="0"/>
+              <a:pPr/>
               <a:t>7/18/2016</a:t>
             </a:fld>
             <a:endParaRPr lang="en-US" dirty="0"/>
@@ -4301,6 +4307,7 @@
           <a:p>
             <a:fld id="{519954A3-9DFD-4C44-94BA-B95130A3BA1C}" type="slidenum">
               <a:rPr lang="en-US" dirty="0"/>
+              <a:pPr/>
               <a:t>‹#›</a:t>
             </a:fld>
             <a:endParaRPr lang="en-US" dirty="0"/>
@@ -5849,7 +5856,7 @@
     </p:spTree>
     <p:extLst>
       <p:ext uri="{BB962C8B-B14F-4D97-AF65-F5344CB8AC3E}">
-        <p14:creationId xmlns:p14="http://schemas.microsoft.com/office/powerpoint/2010/main" val="3072027363"/>
+        <p14:creationId xmlns:p14="http://schemas.microsoft.com/office/powerpoint/2010/main" xmlns="" val="3072027363"/>
       </p:ext>
     </p:extLst>
   </p:cSld>
@@ -5889,7 +5896,7 @@
         <p:spPr>
           <a:xfrm>
             <a:off x="677334" y="609600"/>
-            <a:ext cx="8596668" cy="1073426"/>
+            <a:ext cx="8596668" cy="952500"/>
           </a:xfrm>
         </p:spPr>
         <p:txBody>
@@ -5897,9 +5904,10 @@
           <a:lstStyle/>
           <a:p>
             <a:r>
-              <a:rPr lang="en-US" dirty="0"/>
-              <a:t>GOALS on creating the Project</a:t>
-            </a:r>
+              <a:rPr lang="en-US" dirty="0" smtClean="0"/>
+              <a:t>DISCLAIMER</a:t>
+            </a:r>
+            <a:endParaRPr lang="en-US" dirty="0"/>
           </a:p>
         </p:txBody>
       </p:sp>
@@ -5915,96 +5923,24 @@
         </p:nvSpPr>
         <p:spPr>
           <a:xfrm>
-            <a:off x="677334" y="1338471"/>
-            <a:ext cx="8596668" cy="4702892"/>
+            <a:off x="677334" y="1504951"/>
+            <a:ext cx="10943166" cy="4536412"/>
           </a:xfrm>
         </p:spPr>
         <p:txBody>
           <a:bodyPr/>
           <a:lstStyle/>
           <a:p>
-            <a:r>
-              <a:rPr lang="en-US" dirty="0"/>
-              <a:t>Apply knowledge taught </a:t>
-            </a:r>
-          </a:p>
-          <a:p>
-            <a:pPr lvl="1"/>
-            <a:r>
-              <a:rPr lang="en-US" dirty="0"/>
-              <a:t>Spring MVC (</a:t>
-            </a:r>
-            <a:r>
-              <a:rPr lang="en-US" dirty="0" err="1"/>
-              <a:t>RESTFul</a:t>
-            </a:r>
-            <a:r>
-              <a:rPr lang="en-US" dirty="0"/>
-              <a:t> ,log4j etc.)</a:t>
-            </a:r>
-          </a:p>
-          <a:p>
-            <a:pPr lvl="1"/>
-            <a:r>
-              <a:rPr lang="en-US" dirty="0"/>
-              <a:t>Oracle</a:t>
-            </a:r>
-          </a:p>
-          <a:p>
-            <a:pPr lvl="1"/>
-            <a:r>
-              <a:rPr lang="en-US" dirty="0"/>
-              <a:t>Ext JS (Sencha , Version 4.2)</a:t>
-            </a:r>
-          </a:p>
-          <a:p>
-            <a:pPr lvl="1"/>
-            <a:r>
-              <a:rPr lang="en-US" dirty="0"/>
-              <a:t>JUNIT Testing</a:t>
-            </a:r>
-          </a:p>
-          <a:p>
-            <a:pPr lvl="1"/>
-            <a:r>
-              <a:rPr lang="en-US" dirty="0"/>
-              <a:t>Filter (certain names) and Listeners (Active Users and Session)</a:t>
-            </a:r>
-          </a:p>
-          <a:p>
-            <a:pPr lvl="1"/>
-            <a:r>
-              <a:rPr lang="en-US" dirty="0"/>
-              <a:t>JDBC Template</a:t>
-            </a:r>
-          </a:p>
-          <a:p>
-            <a:pPr lvl="1"/>
-            <a:r>
-              <a:rPr lang="en-US" dirty="0"/>
-              <a:t>JTA (Java Transaction API)</a:t>
-            </a:r>
-          </a:p>
-          <a:p>
-            <a:r>
-              <a:rPr lang="en-US" dirty="0"/>
-              <a:t>Apply basic functions of an online ordering system.</a:t>
-            </a:r>
-          </a:p>
-          <a:p>
-            <a:endParaRPr lang="en-US" dirty="0"/>
-          </a:p>
-          <a:p>
+            <a:pPr algn="ctr"/>
+            <a:r>
+              <a:rPr lang="en-US" dirty="0" smtClean="0"/>
+              <a:t>Do not look on the  author of the GIT. </a:t>
+            </a:r>
             <a:endParaRPr lang="en-US" dirty="0"/>
           </a:p>
         </p:txBody>
       </p:sp>
     </p:spTree>
-    <p:extLst>
-      <p:ext uri="{BB962C8B-B14F-4D97-AF65-F5344CB8AC3E}">
-        <p14:creationId xmlns:p14="http://schemas.microsoft.com/office/powerpoint/2010/main" val="1759474768"/>
-      </p:ext>
-    </p:extLst>
   </p:cSld>
   <p:clrMapOvr>
     <a:masterClrMapping/>
@@ -6042,7 +5978,7 @@
         <p:spPr>
           <a:xfrm>
             <a:off x="677334" y="609600"/>
-            <a:ext cx="8596668" cy="808383"/>
+            <a:ext cx="8596668" cy="1073426"/>
           </a:xfrm>
         </p:spPr>
         <p:txBody>
@@ -6051,7 +5987,7 @@
           <a:p>
             <a:r>
               <a:rPr lang="en-US" dirty="0"/>
-              <a:t>Project Approach</a:t>
+              <a:t>GOALS on creating the Project</a:t>
             </a:r>
           </a:p>
         </p:txBody>
@@ -6068,8 +6004,8 @@
         </p:nvSpPr>
         <p:spPr>
           <a:xfrm>
-            <a:off x="677334" y="1417983"/>
-            <a:ext cx="8596668" cy="4623379"/>
+            <a:off x="677334" y="1338471"/>
+            <a:ext cx="8596668" cy="4702892"/>
           </a:xfrm>
         </p:spPr>
         <p:txBody>
@@ -6078,80 +6014,81 @@
           <a:p>
             <a:r>
               <a:rPr lang="en-US" dirty="0"/>
-              <a:t>1. Brainstorm</a:t>
+              <a:t>Apply knowledge taught </a:t>
             </a:r>
           </a:p>
           <a:p>
             <a:pPr lvl="1"/>
             <a:r>
               <a:rPr lang="en-US" dirty="0"/>
-              <a:t>We plan our MVP (Most valuable product) to deliver</a:t>
+              <a:t>Spring MVC (</a:t>
+            </a:r>
+            <a:r>
+              <a:rPr lang="en-US" dirty="0" err="1"/>
+              <a:t>RESTFul</a:t>
+            </a:r>
+            <a:r>
+              <a:rPr lang="en-US" dirty="0"/>
+              <a:t> ,log4j etc.)</a:t>
             </a:r>
           </a:p>
           <a:p>
             <a:pPr lvl="1"/>
             <a:r>
               <a:rPr lang="en-US" dirty="0"/>
-              <a:t>Make sure we clear the scope of our system</a:t>
+              <a:t>Oracle</a:t>
             </a:r>
           </a:p>
           <a:p>
             <a:pPr lvl="1"/>
             <a:r>
               <a:rPr lang="en-US" dirty="0"/>
-              <a:t>We talk about on some nice to have feature in our project.</a:t>
+              <a:t>Ext JS (Sencha , Version 4.2)</a:t>
             </a:r>
           </a:p>
           <a:p>
             <a:pPr lvl="1"/>
-            <a:endParaRPr lang="en-US" dirty="0"/>
-          </a:p>
-          <a:p>
-            <a:r>
-              <a:rPr lang="en-US" dirty="0"/>
-              <a:t>2. Recycle what we can recycle on our last project.</a:t>
+            <a:r>
+              <a:rPr lang="en-US" dirty="0" smtClean="0"/>
+              <a:t>Filter </a:t>
+            </a:r>
+            <a:r>
+              <a:rPr lang="en-US" dirty="0"/>
+              <a:t>(certain names) and Listeners (Active Users and Session)</a:t>
             </a:r>
           </a:p>
           <a:p>
             <a:pPr lvl="1"/>
             <a:r>
               <a:rPr lang="en-US" dirty="0"/>
-              <a:t>DAO, </a:t>
-            </a:r>
-            <a:r>
-              <a:rPr lang="en-US" dirty="0" err="1"/>
-              <a:t>Impl</a:t>
-            </a:r>
-            <a:r>
-              <a:rPr lang="en-US" dirty="0"/>
-              <a:t> , Filter, Listener, SQL Scripts and design</a:t>
+              <a:t>JDBC Template</a:t>
             </a:r>
           </a:p>
           <a:p>
             <a:pPr lvl="1"/>
             <a:r>
-              <a:rPr lang="en-US" dirty="0" err="1"/>
-              <a:t>Homeworks</a:t>
-            </a:r>
-            <a:r>
-              <a:rPr lang="en-US" dirty="0"/>
-              <a:t> (</a:t>
-            </a:r>
-            <a:r>
-              <a:rPr lang="en-US" dirty="0" err="1"/>
-              <a:t>JDBCTemplate</a:t>
-            </a:r>
-            <a:r>
-              <a:rPr lang="en-US" dirty="0"/>
-              <a:t> and JTA)</a:t>
-            </a:r>
+              <a:rPr lang="en-US" dirty="0"/>
+              <a:t>JTA (Java Transaction API)</a:t>
+            </a:r>
+          </a:p>
+          <a:p>
+            <a:r>
+              <a:rPr lang="en-US" dirty="0"/>
+              <a:t>Apply basic functions of an online ordering system.</a:t>
+            </a:r>
+          </a:p>
+          <a:p>
+            <a:endParaRPr lang="en-US" dirty="0"/>
+          </a:p>
+          <a:p>
+            <a:endParaRPr lang="en-US" dirty="0"/>
           </a:p>
         </p:txBody>
       </p:sp>
     </p:spTree>
     <p:extLst>
       <p:ext uri="{BB962C8B-B14F-4D97-AF65-F5344CB8AC3E}">
-        <p14:creationId xmlns:p14="http://schemas.microsoft.com/office/powerpoint/2010/main" val="1056485300"/>
+        <p14:creationId xmlns:p14="http://schemas.microsoft.com/office/powerpoint/2010/main" xmlns="" val="1759474768"/>
       </p:ext>
     </p:extLst>
   </p:cSld>
@@ -6191,7 +6128,7 @@
         <p:spPr>
           <a:xfrm>
             <a:off x="677334" y="609600"/>
-            <a:ext cx="8596668" cy="914400"/>
+            <a:ext cx="8596668" cy="808383"/>
           </a:xfrm>
         </p:spPr>
         <p:txBody>
@@ -6200,7 +6137,7 @@
           <a:p>
             <a:r>
               <a:rPr lang="en-US" dirty="0"/>
-              <a:t>Task Allocation</a:t>
+              <a:t>Project Approach</a:t>
             </a:r>
           </a:p>
         </p:txBody>
@@ -6217,8 +6154,8 @@
         </p:nvSpPr>
         <p:spPr>
           <a:xfrm>
-            <a:off x="677334" y="1524001"/>
-            <a:ext cx="8596668" cy="4517362"/>
+            <a:off x="677334" y="1417983"/>
+            <a:ext cx="8596668" cy="4623379"/>
           </a:xfrm>
         </p:spPr>
         <p:txBody>
@@ -6227,83 +6164,80 @@
           <a:p>
             <a:r>
               <a:rPr lang="en-US" dirty="0"/>
-              <a:t>Peter </a:t>
+              <a:t>1. Brainstorm</a:t>
+            </a:r>
+          </a:p>
+          <a:p>
+            <a:pPr lvl="1"/>
+            <a:r>
+              <a:rPr lang="en-US" dirty="0"/>
+              <a:t>We plan our MVP (Most valuable product) to deliver</a:t>
+            </a:r>
+          </a:p>
+          <a:p>
+            <a:pPr lvl="1"/>
+            <a:r>
+              <a:rPr lang="en-US" dirty="0"/>
+              <a:t>Make sure we clear the scope of our system</a:t>
+            </a:r>
+          </a:p>
+          <a:p>
+            <a:pPr lvl="1"/>
+            <a:r>
+              <a:rPr lang="en-US" dirty="0"/>
+              <a:t>We talk about on some nice to have feature in our project.</a:t>
+            </a:r>
+          </a:p>
+          <a:p>
+            <a:pPr lvl="1"/>
+            <a:endParaRPr lang="en-US" dirty="0"/>
+          </a:p>
+          <a:p>
+            <a:r>
+              <a:rPr lang="en-US" dirty="0"/>
+              <a:t>2. Recycle what we can recycle on our last project.</a:t>
+            </a:r>
+          </a:p>
+          <a:p>
+            <a:pPr lvl="1"/>
+            <a:r>
+              <a:rPr lang="en-US" dirty="0"/>
+              <a:t>DAO, </a:t>
             </a:r>
             <a:r>
               <a:rPr lang="en-US" dirty="0" err="1"/>
-              <a:t>Barredo</a:t>
-            </a:r>
-            <a:r>
-              <a:rPr lang="en-US" dirty="0"/>
-              <a:t> – Initial body of Spring Project with initial transaction in DB.</a:t>
-            </a:r>
-          </a:p>
-          <a:p>
-            <a:r>
-              <a:rPr lang="en-US" dirty="0"/>
-              <a:t>UI</a:t>
+              <a:t>Impl</a:t>
+            </a:r>
+            <a:r>
+              <a:rPr lang="en-US" dirty="0"/>
+              <a:t> , Filter, Listener, SQL Scripts and design</a:t>
             </a:r>
           </a:p>
           <a:p>
             <a:pPr lvl="1"/>
             <a:r>
-              <a:rPr lang="en-US" dirty="0"/>
-              <a:t>Pauline Joyce Racelis</a:t>
-            </a:r>
-          </a:p>
-          <a:p>
-            <a:pPr lvl="1"/>
-            <a:r>
-              <a:rPr lang="en-US" dirty="0"/>
-              <a:t>John Paul Limos</a:t>
-            </a:r>
-          </a:p>
-          <a:p>
-            <a:pPr lvl="1"/>
-            <a:r>
-              <a:rPr lang="en-US" dirty="0"/>
-              <a:t>Ana Katrina De Leon</a:t>
-            </a:r>
-          </a:p>
-          <a:p>
-            <a:pPr lvl="1"/>
-            <a:endParaRPr lang="en-US" dirty="0"/>
-          </a:p>
-          <a:p>
-            <a:r>
-              <a:rPr lang="en-US" dirty="0"/>
-              <a:t>DOM</a:t>
-            </a:r>
-          </a:p>
-          <a:p>
-            <a:pPr lvl="1"/>
-            <a:r>
-              <a:rPr lang="en-US" dirty="0"/>
-              <a:t>Mark Anthony Andes – Tester (Functional and Black tester)</a:t>
-            </a:r>
-          </a:p>
-          <a:p>
-            <a:pPr lvl="1"/>
-            <a:r>
               <a:rPr lang="en-US" dirty="0" err="1"/>
-              <a:t>Aljun</a:t>
-            </a:r>
-            <a:r>
-              <a:rPr lang="en-US" dirty="0"/>
-              <a:t> </a:t>
+              <a:t>Homeworks</a:t>
+            </a:r>
+            <a:r>
+              <a:rPr lang="en-US" dirty="0"/>
+              <a:t> (</a:t>
             </a:r>
             <a:r>
               <a:rPr lang="en-US" dirty="0" err="1"/>
-              <a:t>Dequilla</a:t>
-            </a:r>
-            <a:endParaRPr lang="en-US" dirty="0"/>
+              <a:t>JDBCTemplate</a:t>
+            </a:r>
+            <a:r>
+              <a:rPr lang="en-US" dirty="0"/>
+              <a:t> and JTA)</a:t>
+            </a:r>
           </a:p>
         </p:txBody>
       </p:sp>
     </p:spTree>
     <p:extLst>
       <p:ext uri="{BB962C8B-B14F-4D97-AF65-F5344CB8AC3E}">
-        <p14:creationId xmlns:p14="http://schemas.microsoft.com/office/powerpoint/2010/main" val="1218138779"/>
+        <p14:creationId xmlns:p14="http://schemas.microsoft.com/office/powerpoint/2010/main" xmlns="" val="1056485300"/>
       </p:ext>
     </p:extLst>
   </p:cSld>
@@ -6343,7 +6277,7 @@
         <p:spPr>
           <a:xfrm>
             <a:off x="677334" y="609600"/>
-            <a:ext cx="8596668" cy="861391"/>
+            <a:ext cx="8596668" cy="914400"/>
           </a:xfrm>
         </p:spPr>
         <p:txBody>
@@ -6352,7 +6286,7 @@
           <a:p>
             <a:r>
               <a:rPr lang="en-US" dirty="0"/>
-              <a:t>SCOPE and DELIMITATION</a:t>
+              <a:t>Task Allocation</a:t>
             </a:r>
           </a:p>
         </p:txBody>
@@ -6369,131 +6303,93 @@
         </p:nvSpPr>
         <p:spPr>
           <a:xfrm>
-            <a:off x="677334" y="1470991"/>
-            <a:ext cx="10573762" cy="4810539"/>
+            <a:off x="677334" y="1524001"/>
+            <a:ext cx="8596668" cy="4517362"/>
           </a:xfrm>
         </p:spPr>
         <p:txBody>
-          <a:bodyPr>
-            <a:normAutofit fontScale="92500" lnSpcReduction="20000"/>
-          </a:bodyPr>
-          <a:lstStyle/>
-          <a:p>
-            <a:r>
-              <a:rPr lang="en-US" b="1" dirty="0"/>
-              <a:t>SCOPE</a:t>
+          <a:bodyPr/>
+          <a:lstStyle/>
+          <a:p>
+            <a:r>
+              <a:rPr lang="en-US" dirty="0"/>
+              <a:t>Peter </a:t>
+            </a:r>
+            <a:r>
+              <a:rPr lang="en-US" dirty="0" err="1"/>
+              <a:t>Barredo</a:t>
+            </a:r>
+            <a:r>
+              <a:rPr lang="en-US" dirty="0"/>
+              <a:t> – Initial body of Spring Project with initial transaction in DB.</a:t>
+            </a:r>
+          </a:p>
+          <a:p>
+            <a:r>
+              <a:rPr lang="en-US" dirty="0"/>
+              <a:t>UI</a:t>
             </a:r>
           </a:p>
           <a:p>
             <a:pPr lvl="1"/>
             <a:r>
               <a:rPr lang="en-US" dirty="0"/>
-              <a:t>CRUD tray of the user’s orders</a:t>
+              <a:t>Pauline Joyce Racelis</a:t>
             </a:r>
           </a:p>
           <a:p>
             <a:pPr lvl="1"/>
             <a:r>
               <a:rPr lang="en-US" dirty="0"/>
-              <a:t>Browse products</a:t>
+              <a:t>John Paul Limos</a:t>
             </a:r>
           </a:p>
           <a:p>
             <a:pPr lvl="1"/>
             <a:r>
               <a:rPr lang="en-US" dirty="0"/>
-              <a:t>Basic validations (login and registration)</a:t>
+              <a:t>Ana Katrina De Leon</a:t>
             </a:r>
           </a:p>
           <a:p>
             <a:pPr lvl="1"/>
-            <a:r>
-              <a:rPr lang="en-US" dirty="0"/>
-              <a:t>Can block blocked users</a:t>
+            <a:endParaRPr lang="en-US" dirty="0"/>
+          </a:p>
+          <a:p>
+            <a:r>
+              <a:rPr lang="en-US" dirty="0"/>
+              <a:t>DOM</a:t>
             </a:r>
           </a:p>
           <a:p>
             <a:pPr lvl="1"/>
             <a:r>
               <a:rPr lang="en-US" dirty="0"/>
-              <a:t>Can display active users</a:t>
+              <a:t>Mark Anthony Andes – Tester (Functional and Black tester)</a:t>
             </a:r>
           </a:p>
           <a:p>
             <a:pPr lvl="1"/>
             <a:r>
-              <a:rPr lang="en-US" dirty="0"/>
-              <a:t>It can search products</a:t>
-            </a:r>
-          </a:p>
-          <a:p>
-            <a:pPr lvl="1"/>
-            <a:r>
-              <a:rPr lang="en-US" dirty="0"/>
-              <a:t>Has incorporated log4j</a:t>
-            </a:r>
-          </a:p>
-          <a:p>
-            <a:pPr marL="457200" lvl="1" indent="0">
-              <a:buNone/>
-            </a:pPr>
-            <a:endParaRPr lang="en-US" b="1" dirty="0"/>
-          </a:p>
-          <a:p>
-            <a:r>
-              <a:rPr lang="en-US" b="1" dirty="0"/>
-              <a:t>DELIMITATION</a:t>
-            </a:r>
-          </a:p>
-          <a:p>
-            <a:pPr lvl="1"/>
-            <a:r>
-              <a:rPr lang="en-US" dirty="0"/>
-              <a:t>The items in the cart will be removed after the user logged out of the system.</a:t>
-            </a:r>
-          </a:p>
-          <a:p>
-            <a:pPr lvl="1"/>
-            <a:r>
-              <a:rPr lang="en-US" dirty="0"/>
-              <a:t>No paging</a:t>
-            </a:r>
-          </a:p>
-          <a:p>
-            <a:pPr lvl="1"/>
-            <a:r>
-              <a:rPr lang="en-US" dirty="0"/>
-              <a:t>No Spring Validator</a:t>
-            </a:r>
-          </a:p>
-          <a:p>
-            <a:pPr lvl="1"/>
-            <a:r>
-              <a:rPr lang="en-US" dirty="0"/>
-              <a:t>Other approach for filter</a:t>
-            </a:r>
-          </a:p>
-          <a:p>
-            <a:pPr lvl="1"/>
-            <a:r>
-              <a:rPr lang="en-US" dirty="0"/>
-              <a:t>No JUNIT </a:t>
-            </a:r>
-          </a:p>
-          <a:p>
-            <a:pPr lvl="1"/>
-            <a:endParaRPr lang="en-US" b="1" dirty="0"/>
-          </a:p>
-          <a:p>
-            <a:pPr lvl="1"/>
-            <a:endParaRPr lang="en-US" b="1" dirty="0"/>
+              <a:rPr lang="en-US" dirty="0" err="1"/>
+              <a:t>Aljun</a:t>
+            </a:r>
+            <a:r>
+              <a:rPr lang="en-US" dirty="0"/>
+              <a:t> </a:t>
+            </a:r>
+            <a:r>
+              <a:rPr lang="en-US" dirty="0" err="1"/>
+              <a:t>Dequilla</a:t>
+            </a:r>
+            <a:endParaRPr lang="en-US" dirty="0"/>
           </a:p>
         </p:txBody>
       </p:sp>
     </p:spTree>
     <p:extLst>
       <p:ext uri="{BB962C8B-B14F-4D97-AF65-F5344CB8AC3E}">
-        <p14:creationId xmlns:p14="http://schemas.microsoft.com/office/powerpoint/2010/main" val="1886466280"/>
+        <p14:creationId xmlns:p14="http://schemas.microsoft.com/office/powerpoint/2010/main" xmlns="" val="1218138779"/>
       </p:ext>
     </p:extLst>
   </p:cSld>
@@ -6532,25 +6428,18 @@
         </p:nvSpPr>
         <p:spPr>
           <a:xfrm>
-            <a:off x="193240" y="609600"/>
-            <a:ext cx="5521760" cy="762000"/>
+            <a:off x="677334" y="609600"/>
+            <a:ext cx="8596668" cy="861391"/>
           </a:xfrm>
         </p:spPr>
         <p:txBody>
-          <a:bodyPr>
-            <a:normAutofit fontScale="90000"/>
-          </a:bodyPr>
-          <a:lstStyle/>
-          <a:p>
-            <a:pPr algn="ctr"/>
-            <a:r>
-              <a:rPr lang="en-US" dirty="0"/>
-              <a:t>PLAN</a:t>
-            </a:r>
-            <a:br>
-              <a:rPr lang="en-US" dirty="0"/>
-            </a:br>
-            <a:endParaRPr lang="en-US" dirty="0"/>
+          <a:bodyPr/>
+          <a:lstStyle/>
+          <a:p>
+            <a:r>
+              <a:rPr lang="en-US" dirty="0"/>
+              <a:t>SCOPE and DELIMITATION</a:t>
+            </a:r>
           </a:p>
         </p:txBody>
       </p:sp>
@@ -6566,618 +6455,131 @@
         </p:nvSpPr>
         <p:spPr>
           <a:xfrm>
-            <a:off x="193240" y="1519518"/>
-            <a:ext cx="5521760" cy="4669762"/>
+            <a:off x="677334" y="1470991"/>
+            <a:ext cx="10573762" cy="4810539"/>
           </a:xfrm>
         </p:spPr>
         <p:txBody>
-          <a:bodyPr/>
-          <a:lstStyle/>
-          <a:p>
-            <a:r>
-              <a:rPr lang="en-US" dirty="0"/>
-              <a:t>Friday </a:t>
+          <a:bodyPr>
+            <a:normAutofit fontScale="92500" lnSpcReduction="20000"/>
+          </a:bodyPr>
+          <a:lstStyle/>
+          <a:p>
+            <a:r>
+              <a:rPr lang="en-US" b="1" dirty="0"/>
+              <a:t>SCOPE</a:t>
             </a:r>
           </a:p>
           <a:p>
             <a:pPr lvl="1"/>
             <a:r>
               <a:rPr lang="en-US" dirty="0"/>
-              <a:t>Exploration</a:t>
+              <a:t>CRUD tray of the user’s orders</a:t>
             </a:r>
           </a:p>
           <a:p>
             <a:pPr lvl="1"/>
             <a:r>
               <a:rPr lang="en-US" dirty="0"/>
-              <a:t>Initialize Project with JDBC Template and JTA</a:t>
+              <a:t>Browse products</a:t>
             </a:r>
           </a:p>
           <a:p>
             <a:pPr lvl="1"/>
             <a:r>
               <a:rPr lang="en-US" dirty="0"/>
-              <a:t>Mock-up UI in Ext JS</a:t>
-            </a:r>
-          </a:p>
-          <a:p>
-            <a:r>
-              <a:rPr lang="en-US" dirty="0"/>
-              <a:t>Saturday </a:t>
+              <a:t>Basic validations (login and registration)</a:t>
             </a:r>
           </a:p>
           <a:p>
             <a:pPr lvl="1"/>
             <a:r>
               <a:rPr lang="en-US" dirty="0"/>
-              <a:t>Integration of UI </a:t>
+              <a:t>Can block blocked users</a:t>
             </a:r>
           </a:p>
           <a:p>
             <a:pPr lvl="1"/>
             <a:r>
               <a:rPr lang="en-US" dirty="0"/>
-              <a:t>Finish All controller service (MVP)</a:t>
+              <a:t>Can display active users</a:t>
             </a:r>
           </a:p>
           <a:p>
             <a:pPr lvl="1"/>
             <a:r>
               <a:rPr lang="en-US" dirty="0"/>
-              <a:t>Finish all UI page (Transitions and Behavior)(MVP)</a:t>
-            </a:r>
-          </a:p>
-          <a:p>
-            <a:r>
-              <a:rPr lang="en-US" dirty="0"/>
-              <a:t>By Saturday the project (MVP) status is finished </a:t>
-            </a:r>
-          </a:p>
-          <a:p>
-            <a:r>
-              <a:rPr lang="en-US" dirty="0"/>
-              <a:t>Sunday</a:t>
+              <a:t>It can search products</a:t>
             </a:r>
           </a:p>
           <a:p>
             <a:pPr lvl="1"/>
             <a:r>
               <a:rPr lang="en-US" dirty="0"/>
-              <a:t>Apply nice to have features (admin, </a:t>
-            </a:r>
-            <a:r>
-              <a:rPr lang="en-US" dirty="0" err="1"/>
-              <a:t>etc</a:t>
-            </a:r>
-            <a:r>
-              <a:rPr lang="en-US" dirty="0"/>
-              <a:t> )</a:t>
+              <a:t>Has incorporated log4j</a:t>
+            </a:r>
+          </a:p>
+          <a:p>
+            <a:pPr marL="457200" lvl="1" indent="0">
+              <a:buNone/>
+            </a:pPr>
+            <a:endParaRPr lang="en-US" b="1" dirty="0"/>
+          </a:p>
+          <a:p>
+            <a:r>
+              <a:rPr lang="en-US" b="1" dirty="0"/>
+              <a:t>DELIMITATION</a:t>
             </a:r>
           </a:p>
           <a:p>
             <a:pPr lvl="1"/>
             <a:r>
-              <a:rPr lang="en-US" dirty="0">
-                <a:solidFill>
-                  <a:srgbClr val="00B050"/>
-                </a:solidFill>
-              </a:rPr>
-              <a:t>REST </a:t>
-            </a:r>
-            <a:r>
-              <a:rPr lang="en-US" dirty="0">
-                <a:solidFill>
-                  <a:srgbClr val="00B050"/>
-                </a:solidFill>
-                <a:sym typeface="Wingdings" panose="05000000000000000000" pitchFamily="2" charset="2"/>
-              </a:rPr>
-              <a:t></a:t>
-            </a:r>
-            <a:endParaRPr lang="en-US" dirty="0">
-              <a:solidFill>
-                <a:srgbClr val="00B050"/>
-              </a:solidFill>
-            </a:endParaRPr>
-          </a:p>
-          <a:p>
-            <a:endParaRPr lang="en-US" dirty="0"/>
-          </a:p>
-          <a:p>
-            <a:endParaRPr lang="en-US" dirty="0"/>
-          </a:p>
-          <a:p>
-            <a:pPr marL="0" indent="0">
-              <a:buNone/>
-            </a:pPr>
-            <a:endParaRPr lang="en-US" dirty="0"/>
-          </a:p>
-        </p:txBody>
-      </p:sp>
-      <p:sp>
-        <p:nvSpPr>
-          <p:cNvPr id="4" name="Title 1"/>
-          <p:cNvSpPr txBox="1">
-            <a:spLocks/>
-          </p:cNvSpPr>
-          <p:nvPr/>
-        </p:nvSpPr>
-        <p:spPr>
-          <a:xfrm>
-            <a:off x="5715000" y="757517"/>
-            <a:ext cx="5521760" cy="762000"/>
-          </a:xfrm>
-          <a:prstGeom prst="rect">
-            <a:avLst/>
-          </a:prstGeom>
-        </p:spPr>
-        <p:txBody>
-          <a:bodyPr vert="horz" lIns="91440" tIns="45720" rIns="91440" bIns="45720" rtlCol="0" anchor="t">
-            <a:normAutofit fontScale="75000" lnSpcReduction="20000"/>
-          </a:bodyPr>
-          <a:lstStyle>
-            <a:lvl1pPr algn="l" defTabSz="457200" rtl="0" eaLnBrk="1" latinLnBrk="0" hangingPunct="1">
-              <a:spcBef>
-                <a:spcPct val="0"/>
-              </a:spcBef>
-              <a:buNone/>
-              <a:defRPr sz="3600" kern="1200">
-                <a:solidFill>
-                  <a:schemeClr val="accent1"/>
-                </a:solidFill>
-                <a:latin typeface="+mj-lt"/>
-                <a:ea typeface="+mj-ea"/>
-                <a:cs typeface="+mj-cs"/>
-              </a:defRPr>
-            </a:lvl1pPr>
-            <a:lvl2pPr eaLnBrk="1" hangingPunct="1">
-              <a:defRPr>
-                <a:solidFill>
-                  <a:schemeClr val="tx2"/>
-                </a:solidFill>
-              </a:defRPr>
-            </a:lvl2pPr>
-            <a:lvl3pPr eaLnBrk="1" hangingPunct="1">
-              <a:defRPr>
-                <a:solidFill>
-                  <a:schemeClr val="tx2"/>
-                </a:solidFill>
-              </a:defRPr>
-            </a:lvl3pPr>
-            <a:lvl4pPr eaLnBrk="1" hangingPunct="1">
-              <a:defRPr>
-                <a:solidFill>
-                  <a:schemeClr val="tx2"/>
-                </a:solidFill>
-              </a:defRPr>
-            </a:lvl4pPr>
-            <a:lvl5pPr eaLnBrk="1" hangingPunct="1">
-              <a:defRPr>
-                <a:solidFill>
-                  <a:schemeClr val="tx2"/>
-                </a:solidFill>
-              </a:defRPr>
-            </a:lvl5pPr>
-            <a:lvl6pPr eaLnBrk="1" hangingPunct="1">
-              <a:defRPr>
-                <a:solidFill>
-                  <a:schemeClr val="tx2"/>
-                </a:solidFill>
-              </a:defRPr>
-            </a:lvl6pPr>
-            <a:lvl7pPr eaLnBrk="1" hangingPunct="1">
-              <a:defRPr>
-                <a:solidFill>
-                  <a:schemeClr val="tx2"/>
-                </a:solidFill>
-              </a:defRPr>
-            </a:lvl7pPr>
-            <a:lvl8pPr eaLnBrk="1" hangingPunct="1">
-              <a:defRPr>
-                <a:solidFill>
-                  <a:schemeClr val="tx2"/>
-                </a:solidFill>
-              </a:defRPr>
-            </a:lvl8pPr>
-            <a:lvl9pPr eaLnBrk="1" hangingPunct="1">
-              <a:defRPr>
-                <a:solidFill>
-                  <a:schemeClr val="tx2"/>
-                </a:solidFill>
-              </a:defRPr>
-            </a:lvl9pPr>
-          </a:lstStyle>
-          <a:p>
-            <a:pPr algn="ctr"/>
-            <a:r>
-              <a:rPr lang="en-US" dirty="0"/>
-              <a:t>ACTUAL</a:t>
-            </a:r>
-            <a:br>
-              <a:rPr lang="en-US" dirty="0"/>
-            </a:br>
-            <a:endParaRPr lang="en-US" dirty="0"/>
-          </a:p>
-        </p:txBody>
-      </p:sp>
-      <p:sp>
-        <p:nvSpPr>
-          <p:cNvPr id="5" name="Content Placeholder 2"/>
-          <p:cNvSpPr txBox="1">
-            <a:spLocks/>
-          </p:cNvSpPr>
-          <p:nvPr/>
-        </p:nvSpPr>
-        <p:spPr>
-          <a:xfrm>
-            <a:off x="5715000" y="1445559"/>
-            <a:ext cx="5521760" cy="4669762"/>
-          </a:xfrm>
-          <a:prstGeom prst="rect">
-            <a:avLst/>
-          </a:prstGeom>
-        </p:spPr>
-        <p:txBody>
-          <a:bodyPr vert="horz" lIns="91440" tIns="45720" rIns="91440" bIns="45720" rtlCol="0">
-            <a:normAutofit/>
-          </a:bodyPr>
-          <a:lstStyle>
-            <a:lvl1pPr marL="342900" indent="-342900" algn="l" defTabSz="457200" rtl="0" eaLnBrk="1" latinLnBrk="0" hangingPunct="1">
-              <a:spcBef>
-                <a:spcPts val="1000"/>
-              </a:spcBef>
-              <a:spcAft>
-                <a:spcPts val="0"/>
-              </a:spcAft>
-              <a:buClr>
-                <a:schemeClr val="accent1"/>
-              </a:buClr>
-              <a:buSzPct val="80000"/>
-              <a:buFont typeface="Wingdings 3" charset="2"/>
-              <a:buChar char=""/>
-              <a:defRPr sz="1800" kern="1200">
-                <a:solidFill>
-                  <a:schemeClr val="tx1">
-                    <a:lumMod val="75000"/>
-                    <a:lumOff val="25000"/>
-                  </a:schemeClr>
-                </a:solidFill>
-                <a:latin typeface="+mn-lt"/>
-                <a:ea typeface="+mn-ea"/>
-                <a:cs typeface="+mn-cs"/>
-              </a:defRPr>
-            </a:lvl1pPr>
-            <a:lvl2pPr marL="742950" indent="-285750" algn="l" defTabSz="457200" rtl="0" eaLnBrk="1" latinLnBrk="0" hangingPunct="1">
-              <a:spcBef>
-                <a:spcPts val="1000"/>
-              </a:spcBef>
-              <a:spcAft>
-                <a:spcPts val="0"/>
-              </a:spcAft>
-              <a:buClr>
-                <a:schemeClr val="accent1"/>
-              </a:buClr>
-              <a:buSzPct val="80000"/>
-              <a:buFont typeface="Wingdings 3" charset="2"/>
-              <a:buChar char=""/>
-              <a:defRPr sz="1600" kern="1200">
-                <a:solidFill>
-                  <a:schemeClr val="tx1">
-                    <a:lumMod val="75000"/>
-                    <a:lumOff val="25000"/>
-                  </a:schemeClr>
-                </a:solidFill>
-                <a:latin typeface="+mn-lt"/>
-                <a:ea typeface="+mn-ea"/>
-                <a:cs typeface="+mn-cs"/>
-              </a:defRPr>
-            </a:lvl2pPr>
-            <a:lvl3pPr marL="1143000" indent="-228600" algn="l" defTabSz="457200" rtl="0" eaLnBrk="1" latinLnBrk="0" hangingPunct="1">
-              <a:spcBef>
-                <a:spcPts val="1000"/>
-              </a:spcBef>
-              <a:spcAft>
-                <a:spcPts val="0"/>
-              </a:spcAft>
-              <a:buClr>
-                <a:schemeClr val="accent1"/>
-              </a:buClr>
-              <a:buSzPct val="80000"/>
-              <a:buFont typeface="Wingdings 3" charset="2"/>
-              <a:buChar char=""/>
-              <a:defRPr sz="1400" kern="1200">
-                <a:solidFill>
-                  <a:schemeClr val="tx1">
-                    <a:lumMod val="75000"/>
-                    <a:lumOff val="25000"/>
-                  </a:schemeClr>
-                </a:solidFill>
-                <a:latin typeface="+mn-lt"/>
-                <a:ea typeface="+mn-ea"/>
-                <a:cs typeface="+mn-cs"/>
-              </a:defRPr>
-            </a:lvl3pPr>
-            <a:lvl4pPr marL="1600200" indent="-228600" algn="l" defTabSz="457200" rtl="0" eaLnBrk="1" latinLnBrk="0" hangingPunct="1">
-              <a:spcBef>
-                <a:spcPts val="1000"/>
-              </a:spcBef>
-              <a:spcAft>
-                <a:spcPts val="0"/>
-              </a:spcAft>
-              <a:buClr>
-                <a:schemeClr val="accent1"/>
-              </a:buClr>
-              <a:buSzPct val="80000"/>
-              <a:buFont typeface="Wingdings 3" charset="2"/>
-              <a:buChar char=""/>
-              <a:defRPr sz="1200" kern="1200">
-                <a:solidFill>
-                  <a:schemeClr val="tx1">
-                    <a:lumMod val="75000"/>
-                    <a:lumOff val="25000"/>
-                  </a:schemeClr>
-                </a:solidFill>
-                <a:latin typeface="+mn-lt"/>
-                <a:ea typeface="+mn-ea"/>
-                <a:cs typeface="+mn-cs"/>
-              </a:defRPr>
-            </a:lvl4pPr>
-            <a:lvl5pPr marL="2057400" indent="-228600" algn="l" defTabSz="457200" rtl="0" eaLnBrk="1" latinLnBrk="0" hangingPunct="1">
-              <a:spcBef>
-                <a:spcPts val="1000"/>
-              </a:spcBef>
-              <a:spcAft>
-                <a:spcPts val="0"/>
-              </a:spcAft>
-              <a:buClr>
-                <a:schemeClr val="accent1"/>
-              </a:buClr>
-              <a:buSzPct val="80000"/>
-              <a:buFont typeface="Wingdings 3" charset="2"/>
-              <a:buChar char=""/>
-              <a:defRPr sz="1200" kern="1200">
-                <a:solidFill>
-                  <a:schemeClr val="tx1">
-                    <a:lumMod val="75000"/>
-                    <a:lumOff val="25000"/>
-                  </a:schemeClr>
-                </a:solidFill>
-                <a:latin typeface="+mn-lt"/>
-                <a:ea typeface="+mn-ea"/>
-                <a:cs typeface="+mn-cs"/>
-              </a:defRPr>
-            </a:lvl5pPr>
-            <a:lvl6pPr marL="2514600" indent="-228600" algn="l" defTabSz="457200" rtl="0" eaLnBrk="1" latinLnBrk="0" hangingPunct="1">
-              <a:spcBef>
-                <a:spcPts val="1000"/>
-              </a:spcBef>
-              <a:spcAft>
-                <a:spcPts val="0"/>
-              </a:spcAft>
-              <a:buClr>
-                <a:schemeClr val="accent1"/>
-              </a:buClr>
-              <a:buSzPct val="80000"/>
-              <a:buFont typeface="Wingdings 3" charset="2"/>
-              <a:buChar char=""/>
-              <a:defRPr sz="1200" kern="1200">
-                <a:solidFill>
-                  <a:schemeClr val="tx1">
-                    <a:lumMod val="75000"/>
-                    <a:lumOff val="25000"/>
-                  </a:schemeClr>
-                </a:solidFill>
-                <a:latin typeface="+mn-lt"/>
-                <a:ea typeface="+mn-ea"/>
-                <a:cs typeface="+mn-cs"/>
-              </a:defRPr>
-            </a:lvl6pPr>
-            <a:lvl7pPr marL="2971800" indent="-228600" algn="l" defTabSz="457200" rtl="0" eaLnBrk="1" latinLnBrk="0" hangingPunct="1">
-              <a:spcBef>
-                <a:spcPts val="1000"/>
-              </a:spcBef>
-              <a:spcAft>
-                <a:spcPts val="0"/>
-              </a:spcAft>
-              <a:buClr>
-                <a:schemeClr val="accent1"/>
-              </a:buClr>
-              <a:buSzPct val="80000"/>
-              <a:buFont typeface="Wingdings 3" charset="2"/>
-              <a:buChar char=""/>
-              <a:defRPr sz="1200" kern="1200">
-                <a:solidFill>
-                  <a:schemeClr val="tx1">
-                    <a:lumMod val="75000"/>
-                    <a:lumOff val="25000"/>
-                  </a:schemeClr>
-                </a:solidFill>
-                <a:latin typeface="+mn-lt"/>
-                <a:ea typeface="+mn-ea"/>
-                <a:cs typeface="+mn-cs"/>
-              </a:defRPr>
-            </a:lvl7pPr>
-            <a:lvl8pPr marL="3429000" indent="-228600" algn="l" defTabSz="457200" rtl="0" eaLnBrk="1" latinLnBrk="0" hangingPunct="1">
-              <a:spcBef>
-                <a:spcPts val="1000"/>
-              </a:spcBef>
-              <a:spcAft>
-                <a:spcPts val="0"/>
-              </a:spcAft>
-              <a:buClr>
-                <a:schemeClr val="accent1"/>
-              </a:buClr>
-              <a:buSzPct val="80000"/>
-              <a:buFont typeface="Wingdings 3" charset="2"/>
-              <a:buChar char=""/>
-              <a:defRPr sz="1200" kern="1200">
-                <a:solidFill>
-                  <a:schemeClr val="tx1">
-                    <a:lumMod val="75000"/>
-                    <a:lumOff val="25000"/>
-                  </a:schemeClr>
-                </a:solidFill>
-                <a:latin typeface="+mn-lt"/>
-                <a:ea typeface="+mn-ea"/>
-                <a:cs typeface="+mn-cs"/>
-              </a:defRPr>
-            </a:lvl8pPr>
-            <a:lvl9pPr marL="3886200" indent="-228600" algn="l" defTabSz="457200" rtl="0" eaLnBrk="1" latinLnBrk="0" hangingPunct="1">
-              <a:spcBef>
-                <a:spcPts val="1000"/>
-              </a:spcBef>
-              <a:spcAft>
-                <a:spcPts val="0"/>
-              </a:spcAft>
-              <a:buClr>
-                <a:schemeClr val="accent1"/>
-              </a:buClr>
-              <a:buSzPct val="80000"/>
-              <a:buFont typeface="Wingdings 3" charset="2"/>
-              <a:buChar char=""/>
-              <a:defRPr sz="1200" kern="1200">
-                <a:solidFill>
-                  <a:schemeClr val="tx1">
-                    <a:lumMod val="75000"/>
-                    <a:lumOff val="25000"/>
-                  </a:schemeClr>
-                </a:solidFill>
-                <a:latin typeface="+mn-lt"/>
-                <a:ea typeface="+mn-ea"/>
-                <a:cs typeface="+mn-cs"/>
-              </a:defRPr>
-            </a:lvl9pPr>
-          </a:lstStyle>
-          <a:p>
-            <a:r>
-              <a:rPr lang="en-US" dirty="0"/>
-              <a:t>Friday </a:t>
+              <a:rPr lang="en-US" dirty="0"/>
+              <a:t>The items in the cart will be removed after the user logged out of the system.</a:t>
             </a:r>
           </a:p>
           <a:p>
             <a:pPr lvl="1"/>
             <a:r>
               <a:rPr lang="en-US" dirty="0"/>
-              <a:t>Exploration</a:t>
+              <a:t>No paging</a:t>
             </a:r>
           </a:p>
           <a:p>
             <a:pPr lvl="1"/>
             <a:r>
               <a:rPr lang="en-US" dirty="0"/>
-              <a:t>Initialize Project with JDBC Template and JTA</a:t>
+              <a:t>No Spring Validator</a:t>
             </a:r>
           </a:p>
           <a:p>
             <a:pPr lvl="1"/>
             <a:r>
               <a:rPr lang="en-US" dirty="0"/>
-              <a:t>Mock-up UI in Ext JS</a:t>
-            </a:r>
-          </a:p>
-          <a:p>
-            <a:r>
-              <a:rPr lang="en-US" dirty="0"/>
-              <a:t>Saturday </a:t>
+              <a:t>Other approach for filter</a:t>
             </a:r>
           </a:p>
           <a:p>
             <a:pPr lvl="1"/>
             <a:r>
               <a:rPr lang="en-US" dirty="0"/>
-              <a:t>Integration of UI </a:t>
-            </a:r>
-            <a:r>
-              <a:rPr lang="en-US" dirty="0">
-                <a:solidFill>
-                  <a:srgbClr val="FF0000"/>
-                </a:solidFill>
-              </a:rPr>
-              <a:t>(BLOCKER)</a:t>
+              <a:t>No JUNIT </a:t>
             </a:r>
           </a:p>
           <a:p>
             <a:pPr lvl="1"/>
-            <a:r>
-              <a:rPr lang="en-US" strike="sngStrike" dirty="0">
-                <a:solidFill>
-                  <a:srgbClr val="FF0000"/>
-                </a:solidFill>
-              </a:rPr>
-              <a:t>Finish All controller service (MVP)</a:t>
-            </a:r>
+            <a:endParaRPr lang="en-US" b="1" dirty="0"/>
           </a:p>
           <a:p>
             <a:pPr lvl="1"/>
-            <a:r>
-              <a:rPr lang="en-US" strike="sngStrike" dirty="0">
-                <a:solidFill>
-                  <a:srgbClr val="FF0000"/>
-                </a:solidFill>
-              </a:rPr>
-              <a:t>Finish all UI page (Transitions and Behavior)(MVP)</a:t>
-            </a:r>
-          </a:p>
-          <a:p>
-            <a:r>
-              <a:rPr lang="en-US" dirty="0"/>
-              <a:t>Sunday</a:t>
-            </a:r>
-          </a:p>
-          <a:p>
-            <a:pPr lvl="1"/>
-            <a:r>
-              <a:rPr lang="en-US" dirty="0"/>
-              <a:t>Finish all controller service (MVP)</a:t>
-            </a:r>
-          </a:p>
-          <a:p>
-            <a:pPr lvl="1"/>
-            <a:r>
-              <a:rPr lang="en-US" dirty="0"/>
-              <a:t>Finish all UI page (Transitions and Behavior)(MVP)</a:t>
-            </a:r>
-          </a:p>
-          <a:p>
-            <a:pPr lvl="1"/>
-            <a:r>
-              <a:rPr lang="en-US" dirty="0">
-                <a:solidFill>
-                  <a:srgbClr val="00B050"/>
-                </a:solidFill>
-              </a:rPr>
-              <a:t>No rest </a:t>
-            </a:r>
-            <a:r>
-              <a:rPr lang="en-US" dirty="0">
-                <a:solidFill>
-                  <a:srgbClr val="00B050"/>
-                </a:solidFill>
-                <a:sym typeface="Wingdings" panose="05000000000000000000" pitchFamily="2" charset="2"/>
-              </a:rPr>
-              <a:t></a:t>
-            </a:r>
-            <a:endParaRPr lang="en-US" dirty="0">
-              <a:solidFill>
-                <a:srgbClr val="00B050"/>
-              </a:solidFill>
-            </a:endParaRPr>
-          </a:p>
-          <a:p>
-            <a:endParaRPr lang="en-US" dirty="0"/>
-          </a:p>
-          <a:p>
-            <a:pPr marL="0" indent="0">
-              <a:buFont typeface="Wingdings 3" charset="2"/>
-              <a:buNone/>
-            </a:pPr>
-            <a:endParaRPr lang="en-US" dirty="0"/>
+            <a:endParaRPr lang="en-US" b="1" dirty="0"/>
           </a:p>
         </p:txBody>
       </p:sp>
     </p:spTree>
     <p:extLst>
       <p:ext uri="{BB962C8B-B14F-4D97-AF65-F5344CB8AC3E}">
-        <p14:creationId xmlns:p14="http://schemas.microsoft.com/office/powerpoint/2010/main" val="2255266962"/>
+        <p14:creationId xmlns:p14="http://schemas.microsoft.com/office/powerpoint/2010/main" xmlns="" val="1886466280"/>
       </p:ext>
     </p:extLst>
   </p:cSld>
@@ -7214,6 +6616,712 @@
             <p:ph type="title"/>
           </p:nvPr>
         </p:nvSpPr>
+        <p:spPr>
+          <a:xfrm>
+            <a:off x="193240" y="609600"/>
+            <a:ext cx="5521760" cy="762000"/>
+          </a:xfrm>
+        </p:spPr>
+        <p:txBody>
+          <a:bodyPr>
+            <a:normAutofit fontScale="90000"/>
+          </a:bodyPr>
+          <a:lstStyle/>
+          <a:p>
+            <a:pPr algn="ctr"/>
+            <a:r>
+              <a:rPr lang="en-US" dirty="0"/>
+              <a:t>PLAN</a:t>
+            </a:r>
+            <a:br>
+              <a:rPr lang="en-US" dirty="0"/>
+            </a:br>
+            <a:endParaRPr lang="en-US" dirty="0"/>
+          </a:p>
+        </p:txBody>
+      </p:sp>
+      <p:sp>
+        <p:nvSpPr>
+          <p:cNvPr id="3" name="Content Placeholder 2"/>
+          <p:cNvSpPr>
+            <a:spLocks noGrp="1"/>
+          </p:cNvSpPr>
+          <p:nvPr>
+            <p:ph idx="1"/>
+          </p:nvPr>
+        </p:nvSpPr>
+        <p:spPr>
+          <a:xfrm>
+            <a:off x="193240" y="1519518"/>
+            <a:ext cx="5521760" cy="4669762"/>
+          </a:xfrm>
+        </p:spPr>
+        <p:txBody>
+          <a:bodyPr>
+            <a:normAutofit lnSpcReduction="10000"/>
+          </a:bodyPr>
+          <a:lstStyle/>
+          <a:p>
+            <a:r>
+              <a:rPr lang="en-US" dirty="0"/>
+              <a:t>Friday </a:t>
+            </a:r>
+          </a:p>
+          <a:p>
+            <a:pPr lvl="1"/>
+            <a:r>
+              <a:rPr lang="en-US" dirty="0"/>
+              <a:t>Exploration</a:t>
+            </a:r>
+          </a:p>
+          <a:p>
+            <a:pPr lvl="1"/>
+            <a:r>
+              <a:rPr lang="en-US" dirty="0"/>
+              <a:t>Initialize Project with JDBC Template and JTA</a:t>
+            </a:r>
+          </a:p>
+          <a:p>
+            <a:pPr lvl="1"/>
+            <a:r>
+              <a:rPr lang="en-US" dirty="0"/>
+              <a:t>Mock-up UI in Ext JS</a:t>
+            </a:r>
+          </a:p>
+          <a:p>
+            <a:r>
+              <a:rPr lang="en-US" dirty="0"/>
+              <a:t>Saturday </a:t>
+            </a:r>
+          </a:p>
+          <a:p>
+            <a:pPr lvl="1"/>
+            <a:r>
+              <a:rPr lang="en-US" dirty="0"/>
+              <a:t>Integration of UI </a:t>
+            </a:r>
+          </a:p>
+          <a:p>
+            <a:pPr lvl="1"/>
+            <a:r>
+              <a:rPr lang="en-US" dirty="0"/>
+              <a:t>Finish All controller service (MVP)</a:t>
+            </a:r>
+          </a:p>
+          <a:p>
+            <a:pPr lvl="1"/>
+            <a:r>
+              <a:rPr lang="en-US" dirty="0"/>
+              <a:t>Finish all UI page (Transitions and Behavior)(MVP)</a:t>
+            </a:r>
+          </a:p>
+          <a:p>
+            <a:r>
+              <a:rPr lang="en-US" dirty="0"/>
+              <a:t>By Saturday the project (MVP) status is finished </a:t>
+            </a:r>
+          </a:p>
+          <a:p>
+            <a:r>
+              <a:rPr lang="en-US" dirty="0" smtClean="0"/>
+              <a:t>Sunday</a:t>
+            </a:r>
+          </a:p>
+          <a:p>
+            <a:pPr lvl="1"/>
+            <a:r>
+              <a:rPr lang="en-US" dirty="0" smtClean="0"/>
+              <a:t>Testing (functional testing  and User Testing)</a:t>
+            </a:r>
+            <a:endParaRPr lang="en-US" dirty="0"/>
+          </a:p>
+          <a:p>
+            <a:pPr lvl="1"/>
+            <a:r>
+              <a:rPr lang="en-US" dirty="0"/>
+              <a:t>Apply nice to have features (admin, </a:t>
+            </a:r>
+            <a:r>
+              <a:rPr lang="en-US" dirty="0" err="1"/>
+              <a:t>etc</a:t>
+            </a:r>
+            <a:r>
+              <a:rPr lang="en-US" dirty="0"/>
+              <a:t> )</a:t>
+            </a:r>
+          </a:p>
+          <a:p>
+            <a:pPr lvl="1"/>
+            <a:r>
+              <a:rPr lang="en-US" dirty="0">
+                <a:solidFill>
+                  <a:srgbClr val="00B050"/>
+                </a:solidFill>
+              </a:rPr>
+              <a:t>REST </a:t>
+            </a:r>
+            <a:r>
+              <a:rPr lang="en-US" dirty="0">
+                <a:solidFill>
+                  <a:srgbClr val="00B050"/>
+                </a:solidFill>
+                <a:sym typeface="Wingdings" panose="05000000000000000000" pitchFamily="2" charset="2"/>
+              </a:rPr>
+              <a:t></a:t>
+            </a:r>
+            <a:endParaRPr lang="en-US" dirty="0">
+              <a:solidFill>
+                <a:srgbClr val="00B050"/>
+              </a:solidFill>
+            </a:endParaRPr>
+          </a:p>
+          <a:p>
+            <a:endParaRPr lang="en-US" dirty="0"/>
+          </a:p>
+          <a:p>
+            <a:endParaRPr lang="en-US" dirty="0"/>
+          </a:p>
+          <a:p>
+            <a:pPr marL="0" indent="0">
+              <a:buNone/>
+            </a:pPr>
+            <a:endParaRPr lang="en-US" dirty="0"/>
+          </a:p>
+        </p:txBody>
+      </p:sp>
+      <p:sp>
+        <p:nvSpPr>
+          <p:cNvPr id="4" name="Title 1"/>
+          <p:cNvSpPr txBox="1">
+            <a:spLocks/>
+          </p:cNvSpPr>
+          <p:nvPr/>
+        </p:nvSpPr>
+        <p:spPr>
+          <a:xfrm>
+            <a:off x="5715000" y="757517"/>
+            <a:ext cx="5521760" cy="762000"/>
+          </a:xfrm>
+          <a:prstGeom prst="rect">
+            <a:avLst/>
+          </a:prstGeom>
+        </p:spPr>
+        <p:txBody>
+          <a:bodyPr vert="horz" lIns="91440" tIns="45720" rIns="91440" bIns="45720" rtlCol="0" anchor="t">
+            <a:normAutofit fontScale="75000" lnSpcReduction="20000"/>
+          </a:bodyPr>
+          <a:lstStyle>
+            <a:lvl1pPr algn="l" defTabSz="457200" rtl="0" eaLnBrk="1" latinLnBrk="0" hangingPunct="1">
+              <a:spcBef>
+                <a:spcPct val="0"/>
+              </a:spcBef>
+              <a:buNone/>
+              <a:defRPr sz="3600" kern="1200">
+                <a:solidFill>
+                  <a:schemeClr val="accent1"/>
+                </a:solidFill>
+                <a:latin typeface="+mj-lt"/>
+                <a:ea typeface="+mj-ea"/>
+                <a:cs typeface="+mj-cs"/>
+              </a:defRPr>
+            </a:lvl1pPr>
+            <a:lvl2pPr eaLnBrk="1" hangingPunct="1">
+              <a:defRPr>
+                <a:solidFill>
+                  <a:schemeClr val="tx2"/>
+                </a:solidFill>
+              </a:defRPr>
+            </a:lvl2pPr>
+            <a:lvl3pPr eaLnBrk="1" hangingPunct="1">
+              <a:defRPr>
+                <a:solidFill>
+                  <a:schemeClr val="tx2"/>
+                </a:solidFill>
+              </a:defRPr>
+            </a:lvl3pPr>
+            <a:lvl4pPr eaLnBrk="1" hangingPunct="1">
+              <a:defRPr>
+                <a:solidFill>
+                  <a:schemeClr val="tx2"/>
+                </a:solidFill>
+              </a:defRPr>
+            </a:lvl4pPr>
+            <a:lvl5pPr eaLnBrk="1" hangingPunct="1">
+              <a:defRPr>
+                <a:solidFill>
+                  <a:schemeClr val="tx2"/>
+                </a:solidFill>
+              </a:defRPr>
+            </a:lvl5pPr>
+            <a:lvl6pPr eaLnBrk="1" hangingPunct="1">
+              <a:defRPr>
+                <a:solidFill>
+                  <a:schemeClr val="tx2"/>
+                </a:solidFill>
+              </a:defRPr>
+            </a:lvl6pPr>
+            <a:lvl7pPr eaLnBrk="1" hangingPunct="1">
+              <a:defRPr>
+                <a:solidFill>
+                  <a:schemeClr val="tx2"/>
+                </a:solidFill>
+              </a:defRPr>
+            </a:lvl7pPr>
+            <a:lvl8pPr eaLnBrk="1" hangingPunct="1">
+              <a:defRPr>
+                <a:solidFill>
+                  <a:schemeClr val="tx2"/>
+                </a:solidFill>
+              </a:defRPr>
+            </a:lvl8pPr>
+            <a:lvl9pPr eaLnBrk="1" hangingPunct="1">
+              <a:defRPr>
+                <a:solidFill>
+                  <a:schemeClr val="tx2"/>
+                </a:solidFill>
+              </a:defRPr>
+            </a:lvl9pPr>
+          </a:lstStyle>
+          <a:p>
+            <a:pPr algn="ctr"/>
+            <a:r>
+              <a:rPr lang="en-US" dirty="0"/>
+              <a:t>ACTUAL</a:t>
+            </a:r>
+            <a:br>
+              <a:rPr lang="en-US" dirty="0"/>
+            </a:br>
+            <a:endParaRPr lang="en-US" dirty="0"/>
+          </a:p>
+        </p:txBody>
+      </p:sp>
+      <p:sp>
+        <p:nvSpPr>
+          <p:cNvPr id="5" name="Content Placeholder 2"/>
+          <p:cNvSpPr txBox="1">
+            <a:spLocks/>
+          </p:cNvSpPr>
+          <p:nvPr/>
+        </p:nvSpPr>
+        <p:spPr>
+          <a:xfrm>
+            <a:off x="5715000" y="1445559"/>
+            <a:ext cx="5521760" cy="4669762"/>
+          </a:xfrm>
+          <a:prstGeom prst="rect">
+            <a:avLst/>
+          </a:prstGeom>
+        </p:spPr>
+        <p:txBody>
+          <a:bodyPr vert="horz" lIns="91440" tIns="45720" rIns="91440" bIns="45720" rtlCol="0">
+            <a:normAutofit lnSpcReduction="10000"/>
+          </a:bodyPr>
+          <a:lstStyle>
+            <a:lvl1pPr marL="342900" indent="-342900" algn="l" defTabSz="457200" rtl="0" eaLnBrk="1" latinLnBrk="0" hangingPunct="1">
+              <a:spcBef>
+                <a:spcPts val="1000"/>
+              </a:spcBef>
+              <a:spcAft>
+                <a:spcPts val="0"/>
+              </a:spcAft>
+              <a:buClr>
+                <a:schemeClr val="accent1"/>
+              </a:buClr>
+              <a:buSzPct val="80000"/>
+              <a:buFont typeface="Wingdings 3" charset="2"/>
+              <a:buChar char=""/>
+              <a:defRPr sz="1800" kern="1200">
+                <a:solidFill>
+                  <a:schemeClr val="tx1">
+                    <a:lumMod val="75000"/>
+                    <a:lumOff val="25000"/>
+                  </a:schemeClr>
+                </a:solidFill>
+                <a:latin typeface="+mn-lt"/>
+                <a:ea typeface="+mn-ea"/>
+                <a:cs typeface="+mn-cs"/>
+              </a:defRPr>
+            </a:lvl1pPr>
+            <a:lvl2pPr marL="742950" indent="-285750" algn="l" defTabSz="457200" rtl="0" eaLnBrk="1" latinLnBrk="0" hangingPunct="1">
+              <a:spcBef>
+                <a:spcPts val="1000"/>
+              </a:spcBef>
+              <a:spcAft>
+                <a:spcPts val="0"/>
+              </a:spcAft>
+              <a:buClr>
+                <a:schemeClr val="accent1"/>
+              </a:buClr>
+              <a:buSzPct val="80000"/>
+              <a:buFont typeface="Wingdings 3" charset="2"/>
+              <a:buChar char=""/>
+              <a:defRPr sz="1600" kern="1200">
+                <a:solidFill>
+                  <a:schemeClr val="tx1">
+                    <a:lumMod val="75000"/>
+                    <a:lumOff val="25000"/>
+                  </a:schemeClr>
+                </a:solidFill>
+                <a:latin typeface="+mn-lt"/>
+                <a:ea typeface="+mn-ea"/>
+                <a:cs typeface="+mn-cs"/>
+              </a:defRPr>
+            </a:lvl2pPr>
+            <a:lvl3pPr marL="1143000" indent="-228600" algn="l" defTabSz="457200" rtl="0" eaLnBrk="1" latinLnBrk="0" hangingPunct="1">
+              <a:spcBef>
+                <a:spcPts val="1000"/>
+              </a:spcBef>
+              <a:spcAft>
+                <a:spcPts val="0"/>
+              </a:spcAft>
+              <a:buClr>
+                <a:schemeClr val="accent1"/>
+              </a:buClr>
+              <a:buSzPct val="80000"/>
+              <a:buFont typeface="Wingdings 3" charset="2"/>
+              <a:buChar char=""/>
+              <a:defRPr sz="1400" kern="1200">
+                <a:solidFill>
+                  <a:schemeClr val="tx1">
+                    <a:lumMod val="75000"/>
+                    <a:lumOff val="25000"/>
+                  </a:schemeClr>
+                </a:solidFill>
+                <a:latin typeface="+mn-lt"/>
+                <a:ea typeface="+mn-ea"/>
+                <a:cs typeface="+mn-cs"/>
+              </a:defRPr>
+            </a:lvl3pPr>
+            <a:lvl4pPr marL="1600200" indent="-228600" algn="l" defTabSz="457200" rtl="0" eaLnBrk="1" latinLnBrk="0" hangingPunct="1">
+              <a:spcBef>
+                <a:spcPts val="1000"/>
+              </a:spcBef>
+              <a:spcAft>
+                <a:spcPts val="0"/>
+              </a:spcAft>
+              <a:buClr>
+                <a:schemeClr val="accent1"/>
+              </a:buClr>
+              <a:buSzPct val="80000"/>
+              <a:buFont typeface="Wingdings 3" charset="2"/>
+              <a:buChar char=""/>
+              <a:defRPr sz="1200" kern="1200">
+                <a:solidFill>
+                  <a:schemeClr val="tx1">
+                    <a:lumMod val="75000"/>
+                    <a:lumOff val="25000"/>
+                  </a:schemeClr>
+                </a:solidFill>
+                <a:latin typeface="+mn-lt"/>
+                <a:ea typeface="+mn-ea"/>
+                <a:cs typeface="+mn-cs"/>
+              </a:defRPr>
+            </a:lvl4pPr>
+            <a:lvl5pPr marL="2057400" indent="-228600" algn="l" defTabSz="457200" rtl="0" eaLnBrk="1" latinLnBrk="0" hangingPunct="1">
+              <a:spcBef>
+                <a:spcPts val="1000"/>
+              </a:spcBef>
+              <a:spcAft>
+                <a:spcPts val="0"/>
+              </a:spcAft>
+              <a:buClr>
+                <a:schemeClr val="accent1"/>
+              </a:buClr>
+              <a:buSzPct val="80000"/>
+              <a:buFont typeface="Wingdings 3" charset="2"/>
+              <a:buChar char=""/>
+              <a:defRPr sz="1200" kern="1200">
+                <a:solidFill>
+                  <a:schemeClr val="tx1">
+                    <a:lumMod val="75000"/>
+                    <a:lumOff val="25000"/>
+                  </a:schemeClr>
+                </a:solidFill>
+                <a:latin typeface="+mn-lt"/>
+                <a:ea typeface="+mn-ea"/>
+                <a:cs typeface="+mn-cs"/>
+              </a:defRPr>
+            </a:lvl5pPr>
+            <a:lvl6pPr marL="2514600" indent="-228600" algn="l" defTabSz="457200" rtl="0" eaLnBrk="1" latinLnBrk="0" hangingPunct="1">
+              <a:spcBef>
+                <a:spcPts val="1000"/>
+              </a:spcBef>
+              <a:spcAft>
+                <a:spcPts val="0"/>
+              </a:spcAft>
+              <a:buClr>
+                <a:schemeClr val="accent1"/>
+              </a:buClr>
+              <a:buSzPct val="80000"/>
+              <a:buFont typeface="Wingdings 3" charset="2"/>
+              <a:buChar char=""/>
+              <a:defRPr sz="1200" kern="1200">
+                <a:solidFill>
+                  <a:schemeClr val="tx1">
+                    <a:lumMod val="75000"/>
+                    <a:lumOff val="25000"/>
+                  </a:schemeClr>
+                </a:solidFill>
+                <a:latin typeface="+mn-lt"/>
+                <a:ea typeface="+mn-ea"/>
+                <a:cs typeface="+mn-cs"/>
+              </a:defRPr>
+            </a:lvl6pPr>
+            <a:lvl7pPr marL="2971800" indent="-228600" algn="l" defTabSz="457200" rtl="0" eaLnBrk="1" latinLnBrk="0" hangingPunct="1">
+              <a:spcBef>
+                <a:spcPts val="1000"/>
+              </a:spcBef>
+              <a:spcAft>
+                <a:spcPts val="0"/>
+              </a:spcAft>
+              <a:buClr>
+                <a:schemeClr val="accent1"/>
+              </a:buClr>
+              <a:buSzPct val="80000"/>
+              <a:buFont typeface="Wingdings 3" charset="2"/>
+              <a:buChar char=""/>
+              <a:defRPr sz="1200" kern="1200">
+                <a:solidFill>
+                  <a:schemeClr val="tx1">
+                    <a:lumMod val="75000"/>
+                    <a:lumOff val="25000"/>
+                  </a:schemeClr>
+                </a:solidFill>
+                <a:latin typeface="+mn-lt"/>
+                <a:ea typeface="+mn-ea"/>
+                <a:cs typeface="+mn-cs"/>
+              </a:defRPr>
+            </a:lvl7pPr>
+            <a:lvl8pPr marL="3429000" indent="-228600" algn="l" defTabSz="457200" rtl="0" eaLnBrk="1" latinLnBrk="0" hangingPunct="1">
+              <a:spcBef>
+                <a:spcPts val="1000"/>
+              </a:spcBef>
+              <a:spcAft>
+                <a:spcPts val="0"/>
+              </a:spcAft>
+              <a:buClr>
+                <a:schemeClr val="accent1"/>
+              </a:buClr>
+              <a:buSzPct val="80000"/>
+              <a:buFont typeface="Wingdings 3" charset="2"/>
+              <a:buChar char=""/>
+              <a:defRPr sz="1200" kern="1200">
+                <a:solidFill>
+                  <a:schemeClr val="tx1">
+                    <a:lumMod val="75000"/>
+                    <a:lumOff val="25000"/>
+                  </a:schemeClr>
+                </a:solidFill>
+                <a:latin typeface="+mn-lt"/>
+                <a:ea typeface="+mn-ea"/>
+                <a:cs typeface="+mn-cs"/>
+              </a:defRPr>
+            </a:lvl8pPr>
+            <a:lvl9pPr marL="3886200" indent="-228600" algn="l" defTabSz="457200" rtl="0" eaLnBrk="1" latinLnBrk="0" hangingPunct="1">
+              <a:spcBef>
+                <a:spcPts val="1000"/>
+              </a:spcBef>
+              <a:spcAft>
+                <a:spcPts val="0"/>
+              </a:spcAft>
+              <a:buClr>
+                <a:schemeClr val="accent1"/>
+              </a:buClr>
+              <a:buSzPct val="80000"/>
+              <a:buFont typeface="Wingdings 3" charset="2"/>
+              <a:buChar char=""/>
+              <a:defRPr sz="1200" kern="1200">
+                <a:solidFill>
+                  <a:schemeClr val="tx1">
+                    <a:lumMod val="75000"/>
+                    <a:lumOff val="25000"/>
+                  </a:schemeClr>
+                </a:solidFill>
+                <a:latin typeface="+mn-lt"/>
+                <a:ea typeface="+mn-ea"/>
+                <a:cs typeface="+mn-cs"/>
+              </a:defRPr>
+            </a:lvl9pPr>
+          </a:lstStyle>
+          <a:p>
+            <a:r>
+              <a:rPr lang="en-US" dirty="0"/>
+              <a:t>Friday </a:t>
+            </a:r>
+          </a:p>
+          <a:p>
+            <a:pPr lvl="1"/>
+            <a:r>
+              <a:rPr lang="en-US" dirty="0"/>
+              <a:t>Exploration</a:t>
+            </a:r>
+          </a:p>
+          <a:p>
+            <a:pPr lvl="1"/>
+            <a:r>
+              <a:rPr lang="en-US" dirty="0"/>
+              <a:t>Initialize Project with JDBC Template and JTA</a:t>
+            </a:r>
+          </a:p>
+          <a:p>
+            <a:pPr lvl="1"/>
+            <a:r>
+              <a:rPr lang="en-US" dirty="0"/>
+              <a:t>Mock-up UI in Ext JS</a:t>
+            </a:r>
+          </a:p>
+          <a:p>
+            <a:r>
+              <a:rPr lang="en-US" dirty="0"/>
+              <a:t>Saturday </a:t>
+            </a:r>
+          </a:p>
+          <a:p>
+            <a:pPr lvl="1"/>
+            <a:r>
+              <a:rPr lang="en-US" dirty="0"/>
+              <a:t>Integration of UI </a:t>
+            </a:r>
+            <a:r>
+              <a:rPr lang="en-US" dirty="0">
+                <a:solidFill>
+                  <a:srgbClr val="FF0000"/>
+                </a:solidFill>
+              </a:rPr>
+              <a:t>(BLOCKER)</a:t>
+            </a:r>
+          </a:p>
+          <a:p>
+            <a:pPr lvl="1"/>
+            <a:r>
+              <a:rPr lang="en-US" strike="sngStrike" dirty="0">
+                <a:solidFill>
+                  <a:srgbClr val="FF0000"/>
+                </a:solidFill>
+              </a:rPr>
+              <a:t>Finish All controller service (MVP)</a:t>
+            </a:r>
+          </a:p>
+          <a:p>
+            <a:pPr lvl="1"/>
+            <a:r>
+              <a:rPr lang="en-US" strike="sngStrike" dirty="0">
+                <a:solidFill>
+                  <a:srgbClr val="FF0000"/>
+                </a:solidFill>
+              </a:rPr>
+              <a:t>Finish all UI page (Transitions and Behavior)(MVP)</a:t>
+            </a:r>
+          </a:p>
+          <a:p>
+            <a:r>
+              <a:rPr lang="en-US" dirty="0"/>
+              <a:t>Sunday</a:t>
+            </a:r>
+          </a:p>
+          <a:p>
+            <a:pPr lvl="1"/>
+            <a:r>
+              <a:rPr lang="en-US" dirty="0"/>
+              <a:t>Finish all controller service (MVP)</a:t>
+            </a:r>
+          </a:p>
+          <a:p>
+            <a:pPr lvl="1"/>
+            <a:r>
+              <a:rPr lang="en-US" dirty="0"/>
+              <a:t>Finish all UI page (Transitions and Behavior)(MVP</a:t>
+            </a:r>
+            <a:r>
+              <a:rPr lang="en-US" dirty="0" smtClean="0"/>
+              <a:t>)</a:t>
+            </a:r>
+          </a:p>
+          <a:p>
+            <a:pPr lvl="1"/>
+            <a:r>
+              <a:rPr lang="en-US" dirty="0" smtClean="0"/>
+              <a:t>Testing (Functional testing and User Testing)</a:t>
+            </a:r>
+            <a:endParaRPr lang="en-US" dirty="0"/>
+          </a:p>
+          <a:p>
+            <a:pPr lvl="1"/>
+            <a:r>
+              <a:rPr lang="en-US" dirty="0">
+                <a:solidFill>
+                  <a:srgbClr val="00B050"/>
+                </a:solidFill>
+              </a:rPr>
+              <a:t>No rest </a:t>
+            </a:r>
+            <a:r>
+              <a:rPr lang="en-US" dirty="0">
+                <a:solidFill>
+                  <a:srgbClr val="00B050"/>
+                </a:solidFill>
+                <a:sym typeface="Wingdings" panose="05000000000000000000" pitchFamily="2" charset="2"/>
+              </a:rPr>
+              <a:t></a:t>
+            </a:r>
+            <a:endParaRPr lang="en-US" dirty="0">
+              <a:solidFill>
+                <a:srgbClr val="00B050"/>
+              </a:solidFill>
+            </a:endParaRPr>
+          </a:p>
+          <a:p>
+            <a:endParaRPr lang="en-US" dirty="0"/>
+          </a:p>
+          <a:p>
+            <a:pPr marL="0" indent="0">
+              <a:buFont typeface="Wingdings 3" charset="2"/>
+              <a:buNone/>
+            </a:pPr>
+            <a:endParaRPr lang="en-US" dirty="0"/>
+          </a:p>
+        </p:txBody>
+      </p:sp>
+    </p:spTree>
+    <p:extLst>
+      <p:ext uri="{BB962C8B-B14F-4D97-AF65-F5344CB8AC3E}">
+        <p14:creationId xmlns:p14="http://schemas.microsoft.com/office/powerpoint/2010/main" xmlns="" val="2255266962"/>
+      </p:ext>
+    </p:extLst>
+  </p:cSld>
+  <p:clrMapOvr>
+    <a:masterClrMapping/>
+  </p:clrMapOvr>
+</p:sld>
+</file>
+
+<file path=ppt/slides/slide8.xml><?xml version="1.0" encoding="utf-8"?>
+<p:sld xmlns:a="http://schemas.openxmlformats.org/drawingml/2006/main" xmlns:r="http://schemas.openxmlformats.org/officeDocument/2006/relationships" xmlns:p="http://schemas.openxmlformats.org/presentationml/2006/main">
+  <p:cSld>
+    <p:spTree>
+      <p:nvGrpSpPr>
+        <p:cNvPr id="1" name=""/>
+        <p:cNvGrpSpPr/>
+        <p:nvPr/>
+      </p:nvGrpSpPr>
+      <p:grpSpPr>
+        <a:xfrm>
+          <a:off x="0" y="0"/>
+          <a:ext cx="0" cy="0"/>
+          <a:chOff x="0" y="0"/>
+          <a:chExt cx="0" cy="0"/>
+        </a:xfrm>
+      </p:grpSpPr>
+      <p:sp>
+        <p:nvSpPr>
+          <p:cNvPr id="2" name="Title 1"/>
+          <p:cNvSpPr>
+            <a:spLocks noGrp="1"/>
+          </p:cNvSpPr>
+          <p:nvPr>
+            <p:ph type="title"/>
+          </p:nvPr>
+        </p:nvSpPr>
         <p:spPr/>
         <p:txBody>
           <a:bodyPr/>
@@ -7252,7 +7360,7 @@
     </p:spTree>
     <p:extLst>
       <p:ext uri="{BB962C8B-B14F-4D97-AF65-F5344CB8AC3E}">
-        <p14:creationId xmlns:p14="http://schemas.microsoft.com/office/powerpoint/2010/main" val="946687753"/>
+        <p14:creationId xmlns:p14="http://schemas.microsoft.com/office/powerpoint/2010/main" xmlns="" val="946687753"/>
       </p:ext>
     </p:extLst>
   </p:cSld>
@@ -7305,7 +7413,7 @@
     </a:clrScheme>
     <a:fontScheme name="Facet">
       <a:majorFont>
-        <a:latin typeface="Trebuchet MS" panose="020B0603020202020204"/>
+        <a:latin typeface="Trebuchet MS"/>
         <a:ea typeface=""/>
         <a:cs typeface=""/>
         <a:font script="Jpan" typeface="メイリオ"/>
@@ -7340,7 +7448,7 @@
         <a:font script="Geor" typeface="Sylfaen"/>
       </a:majorFont>
       <a:minorFont>
-        <a:latin typeface="Trebuchet MS" panose="020B0603020202020204"/>
+        <a:latin typeface="Trebuchet MS"/>
         <a:ea typeface=""/>
         <a:cs typeface=""/>
         <a:font script="Jpan" typeface="メイリオ"/>
@@ -7513,7 +7621,7 @@
   <a:extraClrSchemeLst/>
   <a:extLst>
     <a:ext uri="{05A4C25C-085E-4340-85A3-A5531E510DB2}">
-      <thm15:themeFamily xmlns:thm15="http://schemas.microsoft.com/office/thememl/2012/main" name="Facet" id="{C0C680CD-088A-49FC-A102-D699147F32B2}" vid="{CFBC31BA-B70F-4F30-BCAA-4F3011E16C4D}"/>
+      <thm15:themeFamily xmlns:thm15="http://schemas.microsoft.com/office/thememl/2012/main" xmlns="" name="Facet" id="{C0C680CD-088A-49FC-A102-D699147F32B2}" vid="{CFBC31BA-B70F-4F30-BCAA-4F3011E16C4D}"/>
     </a:ext>
   </a:extLst>
 </a:theme>
